--- a/Slides/Module 2 - Web API Basic Design.pptx
+++ b/Slides/Module 2 - Web API Basic Design.pptx
@@ -11892,7 +11892,7 @@
           <a:p>
             <a:fld id="{312E7B4A-039C-48A2-9B2C-AF16AA3873D8}" type="datetimeFigureOut">
               <a:rPr lang="en-US" smtClean="0"/>
-              <a:t>12/20/2014</a:t>
+              <a:t>12/21/2014</a:t>
             </a:fld>
             <a:endParaRPr lang="en-US"/>
           </a:p>
@@ -12057,7 +12057,7 @@
           <a:p>
             <a:fld id="{DA005A0C-54D9-45AA-87D4-C551D08DFCE1}" type="datetimeFigureOut">
               <a:rPr lang="en-US" smtClean="0"/>
-              <a:t>12/20/2014</a:t>
+              <a:t>12/21/2014</a:t>
             </a:fld>
             <a:endParaRPr lang="en-US"/>
           </a:p>
@@ -12641,17 +12641,21 @@
           <a:p>
             <a:r>
               <a:rPr lang="en-US" dirty="0" smtClean="0"/>
-              <a:t>http://</a:t>
-            </a:r>
-            <a:r>
-              <a:rPr lang="en-US" smtClean="0"/>
-              <a:t>odata.org</a:t>
-            </a:r>
-            <a:r>
-              <a:rPr lang="en-US" baseline="0" smtClean="0"/>
-              <a:t> examples</a:t>
-            </a:r>
-            <a:endParaRPr lang="en-US"/>
+              <a:t>Show </a:t>
+            </a:r>
+            <a:r>
+              <a:rPr lang="en-US" dirty="0" err="1" smtClean="0"/>
+              <a:t>Odata</a:t>
+            </a:r>
+            <a:r>
+              <a:rPr lang="en-US" dirty="0" smtClean="0"/>
+              <a:t> example, but add</a:t>
+            </a:r>
+            <a:r>
+              <a:rPr lang="en-US" baseline="0" dirty="0" smtClean="0"/>
+              <a:t> header Accept application/xml, show result, then change to text/xml and show result</a:t>
+            </a:r>
+            <a:endParaRPr lang="en-US" dirty="0"/>
           </a:p>
         </p:txBody>
       </p:sp>
@@ -12737,17 +12741,25 @@
           <a:p>
             <a:r>
               <a:rPr lang="en-US" dirty="0" smtClean="0"/>
-              <a:t>http://</a:t>
-            </a:r>
-            <a:r>
-              <a:rPr lang="en-US" smtClean="0"/>
-              <a:t>odata.org</a:t>
-            </a:r>
-            <a:r>
-              <a:rPr lang="en-US" baseline="0" smtClean="0"/>
-              <a:t> examples</a:t>
-            </a:r>
-            <a:endParaRPr lang="en-US"/>
+              <a:t>Send request using </a:t>
+            </a:r>
+            <a:r>
+              <a:rPr lang="en-US" dirty="0" err="1" smtClean="0"/>
+              <a:t>PostMan</a:t>
+            </a:r>
+            <a:r>
+              <a:rPr lang="en-US" dirty="0" smtClean="0"/>
+              <a:t>, and</a:t>
+            </a:r>
+            <a:r>
+              <a:rPr lang="en-US" baseline="0" dirty="0" smtClean="0"/>
+              <a:t> capture using Fiddle, then show how to construct (Replay from Composer), change back to </a:t>
+            </a:r>
+            <a:r>
+              <a:rPr lang="en-US" baseline="0" dirty="0" err="1" smtClean="0"/>
+              <a:t>json</a:t>
+            </a:r>
+            <a:endParaRPr lang="en-US" dirty="0"/>
           </a:p>
         </p:txBody>
       </p:sp>
@@ -12832,18 +12844,10 @@
           <a:lstStyle/>
           <a:p>
             <a:r>
-              <a:rPr lang="en-US" dirty="0" smtClean="0"/>
-              <a:t>http://</a:t>
-            </a:r>
-            <a:r>
               <a:rPr lang="en-US" smtClean="0"/>
-              <a:t>odata.org</a:t>
-            </a:r>
-            <a:r>
-              <a:rPr lang="en-US" baseline="0" smtClean="0"/>
-              <a:t> examples</a:t>
-            </a:r>
-            <a:endParaRPr lang="en-US"/>
+              <a:t>http://jsfiddle.net/jeremylikness/e0weyq70/</a:t>
+            </a:r>
+            <a:endParaRPr lang="en-US" dirty="0"/>
           </a:p>
         </p:txBody>
       </p:sp>
@@ -15958,7 +15962,6 @@
               <a:rPr lang="en-US" dirty="0" smtClean="0"/>
               <a:t>Out of the box, Web API handles provisioning content based on common requests</a:t>
             </a:r>
-            <a:endParaRPr lang="en-US" dirty="0" smtClean="0"/>
           </a:p>
         </p:txBody>
       </p:sp>
@@ -16222,7 +16225,6 @@
               <a:rPr lang="en-US" dirty="0" smtClean="0"/>
               <a:t> </a:t>
             </a:r>
-            <a:endParaRPr lang="en-US" dirty="0" smtClean="0"/>
           </a:p>
           <a:p>
             <a:pPr marL="0" indent="0">
@@ -16279,6 +16281,30 @@
           </a:p>
         </p:txBody>
       </p:sp>
+      <p:pic>
+        <p:nvPicPr>
+          <p:cNvPr id="5" name="Picture 4"/>
+          <p:cNvPicPr>
+            <a:picLocks noChangeAspect="1"/>
+          </p:cNvPicPr>
+          <p:nvPr/>
+        </p:nvPicPr>
+        <p:blipFill>
+          <a:blip r:embed="rId4"/>
+          <a:stretch>
+            <a:fillRect/>
+          </a:stretch>
+        </p:blipFill>
+        <p:spPr>
+          <a:xfrm>
+            <a:off x="2540340" y="4175052"/>
+            <a:ext cx="7202780" cy="2884180"/>
+          </a:xfrm>
+          <a:prstGeom prst="rect">
+            <a:avLst/>
+          </a:prstGeom>
+        </p:spPr>
+      </p:pic>
     </p:spTree>
     <p:extLst>
       <p:ext uri="{BB962C8B-B14F-4D97-AF65-F5344CB8AC3E}">

--- a/Slides/Module 2 - Web API Basic Design.pptx
+++ b/Slides/Module 2 - Web API Basic Design.pptx
@@ -11892,7 +11892,7 @@
           <a:p>
             <a:fld id="{312E7B4A-039C-48A2-9B2C-AF16AA3873D8}" type="datetimeFigureOut">
               <a:rPr lang="en-US" smtClean="0"/>
-              <a:t>12/21/2014</a:t>
+              <a:t>1/3/2015</a:t>
             </a:fld>
             <a:endParaRPr lang="en-US"/>
           </a:p>
@@ -12057,7 +12057,7 @@
           <a:p>
             <a:fld id="{DA005A0C-54D9-45AA-87D4-C551D08DFCE1}" type="datetimeFigureOut">
               <a:rPr lang="en-US" smtClean="0"/>
-              <a:t>12/21/2014</a:t>
+              <a:t>1/3/2015</a:t>
             </a:fld>
             <a:endParaRPr lang="en-US"/>
           </a:p>
@@ -12845,7 +12845,7 @@
           <a:p>
             <a:r>
               <a:rPr lang="en-US" smtClean="0"/>
-              <a:t>http://jsfiddle.net/jeremylikness/e0weyq70/</a:t>
+              <a:t>02aContentNegotiation – 02bjQuery.html</a:t>
             </a:r>
             <a:endParaRPr lang="en-US" dirty="0"/>
           </a:p>
@@ -19096,6 +19096,28 @@
 </file>
 
 <file path=customXml/item1.xml><?xml version="1.0" encoding="utf-8"?>
+<?mso-contentType ?>
+<FormTemplates xmlns="http://schemas.microsoft.com/sharepoint/v3/contenttype/forms">
+  <Display>DocumentLibraryForm</Display>
+  <Edit>DocumentLibraryForm</Edit>
+  <New>DocumentLibraryForm</New>
+</FormTemplates>
+</file>
+
+<file path=customXml/item2.xml><?xml version="1.0" encoding="utf-8"?>
+<p:properties xmlns:p="http://schemas.microsoft.com/office/2006/metadata/properties" xmlns:xsi="http://www.w3.org/2001/XMLSchema-instance" xmlns:pc="http://schemas.microsoft.com/office/infopath/2007/PartnerControls">
+  <documentManagement>
+    <TaxCatchAll xmlns="230e9df3-be65-4c73-a93b-d1236ebd677e"/>
+    <PublishingExpirationDate xmlns="http://schemas.microsoft.com/sharepoint/v3" xsi:nil="true"/>
+    <PublishingStartDate xmlns="http://schemas.microsoft.com/sharepoint/v3" xsi:nil="true"/>
+    <TaxKeywordTaxHTField xmlns="230e9df3-be65-4c73-a93b-d1236ebd677e">
+      <Terms xmlns="http://schemas.microsoft.com/office/infopath/2007/PartnerControls"/>
+    </TaxKeywordTaxHTField>
+  </documentManagement>
+</p:properties>
+</file>
+
+<file path=customXml/item3.xml><?xml version="1.0" encoding="utf-8"?>
 <ct:contentTypeSchema xmlns:ct="http://schemas.microsoft.com/office/2006/metadata/contentType" xmlns:ma="http://schemas.microsoft.com/office/2006/metadata/properties/metaAttributes" ct:_="" ma:_="" ma:contentTypeName="Document" ma:contentTypeID="0x010100496889825850D44592AC5D2F43187AE4" ma:contentTypeVersion="5" ma:contentTypeDescription="Create a new document." ma:contentTypeScope="" ma:versionID="fde90edb5a63ba841bca516fd2abaf95">
   <xsd:schema xmlns:xsd="http://www.w3.org/2001/XMLSchema" xmlns:xs="http://www.w3.org/2001/XMLSchema" xmlns:p="http://schemas.microsoft.com/office/2006/metadata/properties" xmlns:ns1="http://schemas.microsoft.com/sharepoint/v3" xmlns:ns2="230e9df3-be65-4c73-a93b-d1236ebd677e" xmlns:ns3="27aa9422-7f1f-4c84-9cdf-302b1a67e513" targetNamespace="http://schemas.microsoft.com/office/2006/metadata/properties" ma:root="true" ma:fieldsID="5e7808ae941cc340dbe51a3031959734" ns1:_="" ns2:_="" ns3:_="">
     <xsd:import namespace="http://schemas.microsoft.com/sharepoint/v3"/>
@@ -19277,44 +19299,10 @@
 </ct:contentTypeSchema>
 </file>
 
-<file path=customXml/item2.xml><?xml version="1.0" encoding="utf-8"?>
-<p:properties xmlns:p="http://schemas.microsoft.com/office/2006/metadata/properties" xmlns:xsi="http://www.w3.org/2001/XMLSchema-instance" xmlns:pc="http://schemas.microsoft.com/office/infopath/2007/PartnerControls">
-  <documentManagement>
-    <TaxCatchAll xmlns="230e9df3-be65-4c73-a93b-d1236ebd677e"/>
-    <PublishingExpirationDate xmlns="http://schemas.microsoft.com/sharepoint/v3" xsi:nil="true"/>
-    <PublishingStartDate xmlns="http://schemas.microsoft.com/sharepoint/v3" xsi:nil="true"/>
-    <TaxKeywordTaxHTField xmlns="230e9df3-be65-4c73-a93b-d1236ebd677e">
-      <Terms xmlns="http://schemas.microsoft.com/office/infopath/2007/PartnerControls"/>
-    </TaxKeywordTaxHTField>
-  </documentManagement>
-</p:properties>
-</file>
-
-<file path=customXml/item3.xml><?xml version="1.0" encoding="utf-8"?>
-<?mso-contentType ?>
-<FormTemplates xmlns="http://schemas.microsoft.com/sharepoint/v3/contenttype/forms">
-  <Display>DocumentLibraryForm</Display>
-  <Edit>DocumentLibraryForm</Edit>
-  <New>DocumentLibraryForm</New>
-</FormTemplates>
-</file>
-
 <file path=customXml/itemProps1.xml><?xml version="1.0" encoding="utf-8"?>
-<ds:datastoreItem xmlns:ds="http://schemas.openxmlformats.org/officeDocument/2006/customXml" ds:itemID="{3253B29C-1CCD-4FE8-A1C4-023A0910DF96}">
+<ds:datastoreItem xmlns:ds="http://schemas.openxmlformats.org/officeDocument/2006/customXml" ds:itemID="{B0CA13EC-1D3C-4D6F-8D1C-E8A452CFC79A}">
   <ds:schemaRefs>
-    <ds:schemaRef ds:uri="http://schemas.microsoft.com/office/2006/metadata/contentType"/>
-    <ds:schemaRef ds:uri="http://schemas.microsoft.com/office/2006/metadata/properties/metaAttributes"/>
-    <ds:schemaRef ds:uri="http://www.w3.org/2001/XMLSchema"/>
-    <ds:schemaRef ds:uri="http://schemas.microsoft.com/office/2006/metadata/properties"/>
-    <ds:schemaRef ds:uri="http://schemas.microsoft.com/sharepoint/v3"/>
-    <ds:schemaRef ds:uri="230e9df3-be65-4c73-a93b-d1236ebd677e"/>
-    <ds:schemaRef ds:uri="27aa9422-7f1f-4c84-9cdf-302b1a67e513"/>
-    <ds:schemaRef ds:uri="http://schemas.microsoft.com/office/2006/documentManagement/types"/>
-    <ds:schemaRef ds:uri="http://schemas.microsoft.com/office/infopath/2007/PartnerControls"/>
-    <ds:schemaRef ds:uri="http://schemas.openxmlformats.org/package/2006/metadata/core-properties"/>
-    <ds:schemaRef ds:uri="http://purl.org/dc/elements/1.1/"/>
-    <ds:schemaRef ds:uri="http://purl.org/dc/terms/"/>
-    <ds:schemaRef ds:uri="http://schemas.microsoft.com/internal/obd"/>
+    <ds:schemaRef ds:uri="http://schemas.microsoft.com/sharepoint/v3/contenttype/forms"/>
   </ds:schemaRefs>
 </ds:datastoreItem>
 </file>
@@ -19338,9 +19326,21 @@
 </file>
 
 <file path=customXml/itemProps3.xml><?xml version="1.0" encoding="utf-8"?>
-<ds:datastoreItem xmlns:ds="http://schemas.openxmlformats.org/officeDocument/2006/customXml" ds:itemID="{B0CA13EC-1D3C-4D6F-8D1C-E8A452CFC79A}">
+<ds:datastoreItem xmlns:ds="http://schemas.openxmlformats.org/officeDocument/2006/customXml" ds:itemID="{3253B29C-1CCD-4FE8-A1C4-023A0910DF96}">
   <ds:schemaRefs>
-    <ds:schemaRef ds:uri="http://schemas.microsoft.com/sharepoint/v3/contenttype/forms"/>
+    <ds:schemaRef ds:uri="http://schemas.microsoft.com/office/2006/metadata/contentType"/>
+    <ds:schemaRef ds:uri="http://schemas.microsoft.com/office/2006/metadata/properties/metaAttributes"/>
+    <ds:schemaRef ds:uri="http://www.w3.org/2001/XMLSchema"/>
+    <ds:schemaRef ds:uri="http://schemas.microsoft.com/office/2006/metadata/properties"/>
+    <ds:schemaRef ds:uri="http://schemas.microsoft.com/sharepoint/v3"/>
+    <ds:schemaRef ds:uri="230e9df3-be65-4c73-a93b-d1236ebd677e"/>
+    <ds:schemaRef ds:uri="27aa9422-7f1f-4c84-9cdf-302b1a67e513"/>
+    <ds:schemaRef ds:uri="http://schemas.microsoft.com/office/2006/documentManagement/types"/>
+    <ds:schemaRef ds:uri="http://schemas.microsoft.com/office/infopath/2007/PartnerControls"/>
+    <ds:schemaRef ds:uri="http://schemas.openxmlformats.org/package/2006/metadata/core-properties"/>
+    <ds:schemaRef ds:uri="http://purl.org/dc/elements/1.1/"/>
+    <ds:schemaRef ds:uri="http://purl.org/dc/terms/"/>
+    <ds:schemaRef ds:uri="http://schemas.microsoft.com/internal/obd"/>
   </ds:schemaRefs>
 </ds:datastoreItem>
 </file>
--- a/Slides/Module 2 - Web API Basic Design.pptx
+++ b/Slides/Module 2 - Web API Basic Design.pptx
@@ -5,29 +5,34 @@
     <p:sldMasterId id="2147483660" r:id="rId4"/>
   </p:sldMasterIdLst>
   <p:notesMasterIdLst>
-    <p:notesMasterId r:id="rId22"/>
+    <p:notesMasterId r:id="rId27"/>
   </p:notesMasterIdLst>
   <p:handoutMasterIdLst>
-    <p:handoutMasterId r:id="rId23"/>
+    <p:handoutMasterId r:id="rId28"/>
   </p:handoutMasterIdLst>
   <p:sldIdLst>
     <p:sldId id="277" r:id="rId5"/>
     <p:sldId id="278" r:id="rId6"/>
-    <p:sldId id="282" r:id="rId7"/>
-    <p:sldId id="293" r:id="rId8"/>
-    <p:sldId id="294" r:id="rId9"/>
-    <p:sldId id="283" r:id="rId10"/>
-    <p:sldId id="295" r:id="rId11"/>
-    <p:sldId id="296" r:id="rId12"/>
-    <p:sldId id="297" r:id="rId13"/>
-    <p:sldId id="292" r:id="rId14"/>
-    <p:sldId id="287" r:id="rId15"/>
-    <p:sldId id="289" r:id="rId16"/>
-    <p:sldId id="288" r:id="rId17"/>
-    <p:sldId id="286" r:id="rId18"/>
-    <p:sldId id="290" r:id="rId19"/>
-    <p:sldId id="291" r:id="rId20"/>
-    <p:sldId id="269" r:id="rId21"/>
+    <p:sldId id="298" r:id="rId7"/>
+    <p:sldId id="282" r:id="rId8"/>
+    <p:sldId id="293" r:id="rId9"/>
+    <p:sldId id="294" r:id="rId10"/>
+    <p:sldId id="299" r:id="rId11"/>
+    <p:sldId id="283" r:id="rId12"/>
+    <p:sldId id="295" r:id="rId13"/>
+    <p:sldId id="296" r:id="rId14"/>
+    <p:sldId id="297" r:id="rId15"/>
+    <p:sldId id="292" r:id="rId16"/>
+    <p:sldId id="300" r:id="rId17"/>
+    <p:sldId id="287" r:id="rId18"/>
+    <p:sldId id="289" r:id="rId19"/>
+    <p:sldId id="301" r:id="rId20"/>
+    <p:sldId id="288" r:id="rId21"/>
+    <p:sldId id="286" r:id="rId22"/>
+    <p:sldId id="302" r:id="rId23"/>
+    <p:sldId id="290" r:id="rId24"/>
+    <p:sldId id="291" r:id="rId25"/>
+    <p:sldId id="269" r:id="rId26"/>
   </p:sldIdLst>
   <p:sldSz cx="12192000" cy="6858000"/>
   <p:notesSz cx="6858000" cy="9144000"/>
@@ -11892,7 +11897,7 @@
           <a:p>
             <a:fld id="{312E7B4A-039C-48A2-9B2C-AF16AA3873D8}" type="datetimeFigureOut">
               <a:rPr lang="en-US" smtClean="0"/>
-              <a:t>1/3/2015</a:t>
+              <a:t>1/7/2015</a:t>
             </a:fld>
             <a:endParaRPr lang="en-US"/>
           </a:p>
@@ -12057,7 +12062,7 @@
           <a:p>
             <a:fld id="{DA005A0C-54D9-45AA-87D4-C551D08DFCE1}" type="datetimeFigureOut">
               <a:rPr lang="en-US" smtClean="0"/>
-              <a:t>1/3/2015</a:t>
+              <a:t>1/7/2015</a:t>
             </a:fld>
             <a:endParaRPr lang="en-US"/>
           </a:p>
@@ -12576,7 +12581,7 @@
           <a:p>
             <a:fld id="{4CFD207A-07DF-40AD-A916-9872E089CE7A}" type="slidenum">
               <a:rPr lang="en-US" smtClean="0"/>
-              <a:t>10</a:t>
+              <a:t>12</a:t>
             </a:fld>
             <a:endParaRPr lang="en-US"/>
           </a:p>
@@ -12676,7 +12681,7 @@
           <a:p>
             <a:fld id="{4CFD207A-07DF-40AD-A916-9872E089CE7A}" type="slidenum">
               <a:rPr lang="en-US" smtClean="0"/>
-              <a:t>12</a:t>
+              <a:t>15</a:t>
             </a:fld>
             <a:endParaRPr lang="en-US"/>
           </a:p>
@@ -12780,7 +12785,7 @@
           <a:p>
             <a:fld id="{4CFD207A-07DF-40AD-A916-9872E089CE7A}" type="slidenum">
               <a:rPr lang="en-US" smtClean="0"/>
-              <a:t>14</a:t>
+              <a:t>18</a:t>
             </a:fld>
             <a:endParaRPr lang="en-US"/>
           </a:p>
@@ -12868,7 +12873,7 @@
           <a:p>
             <a:fld id="{4CFD207A-07DF-40AD-A916-9872E089CE7A}" type="slidenum">
               <a:rPr lang="en-US" smtClean="0"/>
-              <a:t>16</a:t>
+              <a:t>21</a:t>
             </a:fld>
             <a:endParaRPr lang="en-US"/>
           </a:p>
@@ -15714,38 +15719,6 @@
           </a:p>
         </p:txBody>
       </p:sp>
-      <p:sp>
-        <p:nvSpPr>
-          <p:cNvPr id="7" name="TextBox 6"/>
-          <p:cNvSpPr txBox="1"/>
-          <p:nvPr/>
-        </p:nvSpPr>
-        <p:spPr>
-          <a:xfrm>
-            <a:off x="6345829" y="755471"/>
-            <a:ext cx="3671248" cy="646331"/>
-          </a:xfrm>
-          <a:prstGeom prst="rect">
-            <a:avLst/>
-          </a:prstGeom>
-          <a:solidFill>
-            <a:srgbClr val="FFFF00"/>
-          </a:solidFill>
-        </p:spPr>
-        <p:txBody>
-          <a:bodyPr wrap="square" rtlCol="0">
-            <a:spAutoFit/>
-          </a:bodyPr>
-          <a:lstStyle/>
-          <a:p>
-            <a:r>
-              <a:rPr lang="en-US" dirty="0" smtClean="0"/>
-              <a:t>Please make sure there’s a “Module Transition” slide for every module</a:t>
-            </a:r>
-            <a:endParaRPr lang="en-US" dirty="0"/>
-          </a:p>
-        </p:txBody>
-      </p:sp>
     </p:spTree>
     <p:extLst>
       <p:ext uri="{BB962C8B-B14F-4D97-AF65-F5344CB8AC3E}">
@@ -15799,8 +15772,8 @@
           <a:lstStyle/>
           <a:p>
             <a:r>
-              <a:rPr lang="en-US" b="1" dirty="0" smtClean="0"/>
-              <a:t>Case Study: GitHub API</a:t>
+              <a:rPr lang="en-US" dirty="0" smtClean="0"/>
+              <a:t>Practical example: Account Transfer</a:t>
             </a:r>
             <a:endParaRPr lang="en-US" dirty="0"/>
           </a:p>
@@ -15808,55 +15781,108 @@
       </p:sp>
       <p:sp>
         <p:nvSpPr>
-          <p:cNvPr id="4" name="TextBox 3"/>
-          <p:cNvSpPr txBox="1"/>
-          <p:nvPr/>
+          <p:cNvPr id="3" name="Content Placeholder 2"/>
+          <p:cNvSpPr>
+            <a:spLocks noGrp="1"/>
+          </p:cNvSpPr>
+          <p:nvPr>
+            <p:ph sz="quarter" idx="10"/>
+          </p:nvPr>
         </p:nvSpPr>
-        <p:spPr>
-          <a:xfrm>
-            <a:off x="9906000" y="-1"/>
-            <a:ext cx="2286000" cy="2031325"/>
-          </a:xfrm>
-          <a:prstGeom prst="rect">
-            <a:avLst/>
-          </a:prstGeom>
-          <a:solidFill>
-            <a:srgbClr val="FFFF00"/>
-          </a:solidFill>
-          <a:ln>
-            <a:noFill/>
-          </a:ln>
-        </p:spPr>
+        <p:spPr/>
         <p:txBody>
-          <a:bodyPr wrap="square" rtlCol="0">
-            <a:spAutoFit/>
-          </a:bodyPr>
+          <a:bodyPr/>
           <a:lstStyle/>
           <a:p>
-            <a:pPr algn="ctr"/>
-            <a:endParaRPr lang="en-US" dirty="0" smtClean="0"/>
+            <a:r>
+              <a:rPr lang="en-US" dirty="0" smtClean="0"/>
+              <a:t>Attempt #2 </a:t>
+            </a:r>
           </a:p>
           <a:p>
-            <a:pPr algn="ctr"/>
-            <a:endParaRPr lang="en-US" dirty="0"/>
+            <a:pPr lvl="1"/>
+            <a:r>
+              <a:rPr lang="en-US" dirty="0" smtClean="0"/>
+              <a:t>Create a transaction under account</a:t>
+            </a:r>
           </a:p>
           <a:p>
-            <a:pPr algn="ctr"/>
+            <a:pPr lvl="1"/>
             <a:r>
               <a:rPr lang="en-US" dirty="0" smtClean="0"/>
-              <a:t>Please leave this area blank to allow for picture in picture recording</a:t>
+              <a:t>POST /accounts/1/transfers { amount: 5, </a:t>
+            </a:r>
+            <a:r>
+              <a:rPr lang="en-US" dirty="0" err="1" smtClean="0"/>
+              <a:t>targetAccount</a:t>
+            </a:r>
+            <a:r>
+              <a:rPr lang="en-US" dirty="0" smtClean="0"/>
+              <a:t>: 2 }</a:t>
             </a:r>
           </a:p>
           <a:p>
-            <a:pPr algn="ctr"/>
-            <a:endParaRPr lang="en-US" dirty="0"/>
+            <a:pPr lvl="1"/>
+            <a:r>
+              <a:rPr lang="en-US" dirty="0" smtClean="0"/>
+              <a:t>Query /accounts/1/transfers/1 </a:t>
+            </a:r>
+          </a:p>
+          <a:p>
+            <a:r>
+              <a:rPr lang="en-US" dirty="0" smtClean="0"/>
+              <a:t>Better!</a:t>
+            </a:r>
+          </a:p>
+          <a:p>
+            <a:pPr lvl="1"/>
+            <a:r>
+              <a:rPr lang="en-US" dirty="0" smtClean="0"/>
+              <a:t>Does /accounts/1 “own” the transaction? </a:t>
+            </a:r>
+          </a:p>
+          <a:p>
+            <a:pPr lvl="1"/>
+            <a:r>
+              <a:rPr lang="en-US" dirty="0" smtClean="0"/>
+              <a:t>Is it evident that /accounts/2 is impacted?</a:t>
+            </a:r>
+          </a:p>
+          <a:p>
+            <a:pPr lvl="1"/>
+            <a:r>
+              <a:rPr lang="en-US" dirty="0" smtClean="0"/>
+              <a:t>What if you are navigating /accounts/2 … how do you know a transaction happened? </a:t>
+            </a:r>
           </a:p>
         </p:txBody>
       </p:sp>
+      <p:graphicFrame>
+        <p:nvGraphicFramePr>
+          <p:cNvPr id="5" name="Diagram 4"/>
+          <p:cNvGraphicFramePr/>
+          <p:nvPr>
+            <p:extLst>
+              <p:ext uri="{D42A27DB-BD31-4B8C-83A1-F6EECF244321}">
+                <p14:modId xmlns:p14="http://schemas.microsoft.com/office/powerpoint/2010/main" val="858922841"/>
+              </p:ext>
+            </p:extLst>
+          </p:nvPr>
+        </p:nvGraphicFramePr>
+        <p:xfrm>
+          <a:off x="7699829" y="2525486"/>
+          <a:ext cx="4668368" cy="2556679"/>
+        </p:xfrm>
+        <a:graphic>
+          <a:graphicData uri="http://schemas.openxmlformats.org/drawingml/2006/diagram">
+            <dgm:relIds xmlns:dgm="http://schemas.openxmlformats.org/drawingml/2006/diagram" xmlns:r="http://schemas.openxmlformats.org/officeDocument/2006/relationships" r:dm="rId2" r:lo="rId3" r:qs="rId4" r:cs="rId5"/>
+          </a:graphicData>
+        </a:graphic>
+      </p:graphicFrame>
     </p:spTree>
     <p:extLst>
       <p:ext uri="{BB962C8B-B14F-4D97-AF65-F5344CB8AC3E}">
-        <p14:creationId xmlns:p14="http://schemas.microsoft.com/office/powerpoint/2010/main" val="2236712858"/>
+        <p14:creationId xmlns:p14="http://schemas.microsoft.com/office/powerpoint/2010/main" val="2247386479"/>
       </p:ext>
     </p:extLst>
   </p:cSld>
@@ -15907,7 +15933,7 @@
           <a:p>
             <a:r>
               <a:rPr lang="en-US" dirty="0" smtClean="0"/>
-              <a:t>Content Negotiation</a:t>
+              <a:t>Practical example: Account Transfer</a:t>
             </a:r>
             <a:endParaRPr lang="en-US" dirty="0"/>
           </a:p>
@@ -15930,92 +15956,121 @@
           <a:p>
             <a:r>
               <a:rPr lang="en-US" dirty="0" smtClean="0"/>
-              <a:t>Apps consume content in different ways </a:t>
+              <a:t>Suggestion</a:t>
             </a:r>
           </a:p>
           <a:p>
+            <a:pPr lvl="1"/>
             <a:r>
               <a:rPr lang="en-US" dirty="0" smtClean="0"/>
-              <a:t>For example, XML used to be the most popular format</a:t>
+              <a:t>The “noun” is the transaction </a:t>
             </a:r>
           </a:p>
           <a:p>
+            <a:pPr lvl="1"/>
             <a:r>
               <a:rPr lang="en-US" dirty="0" smtClean="0"/>
-              <a:t>Now of course JSON is most popular</a:t>
+              <a:t>POST /transactions { </a:t>
+            </a:r>
+            <a:r>
+              <a:rPr lang="en-US" dirty="0" err="1" smtClean="0"/>
+              <a:t>src</a:t>
+            </a:r>
+            <a:r>
+              <a:rPr lang="en-US" dirty="0" smtClean="0"/>
+              <a:t>: 1, amount: 5, </a:t>
+            </a:r>
+            <a:r>
+              <a:rPr lang="en-US" dirty="0" err="1" smtClean="0"/>
+              <a:t>tgt</a:t>
+            </a:r>
+            <a:r>
+              <a:rPr lang="en-US" dirty="0" smtClean="0"/>
+              <a:t>: 2 }</a:t>
             </a:r>
           </a:p>
           <a:p>
+            <a:pPr lvl="1"/>
             <a:r>
               <a:rPr lang="en-US" dirty="0" smtClean="0"/>
-              <a:t>A good service should support multiple content types</a:t>
-            </a:r>
+              <a:t>Query /transactions/</a:t>
+            </a:r>
+            <a:r>
+              <a:rPr lang="en-US" dirty="0" err="1" smtClean="0"/>
+              <a:t>srcAccount</a:t>
+            </a:r>
+            <a:r>
+              <a:rPr lang="en-US" dirty="0" smtClean="0"/>
+              <a:t> or transactions/</a:t>
+            </a:r>
+            <a:r>
+              <a:rPr lang="en-US" dirty="0" err="1" smtClean="0"/>
+              <a:t>tgtAccount</a:t>
+            </a:r>
+            <a:endParaRPr lang="en-US" dirty="0" smtClean="0"/>
           </a:p>
           <a:p>
+            <a:pPr lvl="1"/>
             <a:r>
               <a:rPr lang="en-US" dirty="0" smtClean="0"/>
-              <a:t>A good client will request the favored type </a:t>
+              <a:t>(reference back up to /accounts/1 and /accounts/2)</a:t>
             </a:r>
           </a:p>
           <a:p>
+            <a:pPr lvl="1"/>
             <a:r>
               <a:rPr lang="en-US" dirty="0" smtClean="0"/>
-              <a:t>Out of the box, Web API handles provisioning content based on common requests</a:t>
+              <a:t>Clear spot to navigate from and models that the accounts</a:t>
+            </a:r>
+            <a:br>
+              <a:rPr lang="en-US" dirty="0" smtClean="0"/>
+            </a:br>
+            <a:r>
+              <a:rPr lang="en-US" dirty="0" smtClean="0"/>
+              <a:t>are “participants” in the transaction</a:t>
+            </a:r>
+          </a:p>
+          <a:p>
+            <a:r>
+              <a:rPr lang="en-US" dirty="0" smtClean="0"/>
+              <a:t>Guess what …</a:t>
+            </a:r>
+          </a:p>
+          <a:p>
+            <a:pPr lvl="1"/>
+            <a:r>
+              <a:rPr lang="en-US" dirty="0" smtClean="0"/>
+              <a:t>There is no “right” or “perfect” way</a:t>
             </a:r>
           </a:p>
         </p:txBody>
       </p:sp>
-      <p:sp>
-        <p:nvSpPr>
-          <p:cNvPr id="4" name="TextBox 3"/>
-          <p:cNvSpPr txBox="1"/>
-          <p:nvPr/>
-        </p:nvSpPr>
-        <p:spPr>
-          <a:xfrm>
-            <a:off x="9906000" y="-1"/>
-            <a:ext cx="2286000" cy="2031325"/>
-          </a:xfrm>
-          <a:prstGeom prst="rect">
-            <a:avLst/>
-          </a:prstGeom>
-          <a:solidFill>
-            <a:srgbClr val="FFFF00"/>
-          </a:solidFill>
-          <a:ln>
-            <a:noFill/>
-          </a:ln>
-        </p:spPr>
-        <p:txBody>
-          <a:bodyPr wrap="square" rtlCol="0">
-            <a:spAutoFit/>
-          </a:bodyPr>
-          <a:lstStyle/>
-          <a:p>
-            <a:pPr algn="ctr"/>
-            <a:endParaRPr lang="en-US" dirty="0" smtClean="0"/>
-          </a:p>
-          <a:p>
-            <a:pPr algn="ctr"/>
-            <a:endParaRPr lang="en-US" dirty="0"/>
-          </a:p>
-          <a:p>
-            <a:pPr algn="ctr"/>
-            <a:r>
-              <a:rPr lang="en-US" dirty="0" smtClean="0"/>
-              <a:t>Please leave this area blank to allow for picture in picture recording</a:t>
-            </a:r>
-          </a:p>
-          <a:p>
-            <a:pPr algn="ctr"/>
-            <a:endParaRPr lang="en-US" dirty="0"/>
-          </a:p>
-        </p:txBody>
-      </p:sp>
+      <p:graphicFrame>
+        <p:nvGraphicFramePr>
+          <p:cNvPr id="6" name="Diagram 5"/>
+          <p:cNvGraphicFramePr/>
+          <p:nvPr>
+            <p:extLst>
+              <p:ext uri="{D42A27DB-BD31-4B8C-83A1-F6EECF244321}">
+                <p14:modId xmlns:p14="http://schemas.microsoft.com/office/powerpoint/2010/main" val="171839412"/>
+              </p:ext>
+            </p:extLst>
+          </p:nvPr>
+        </p:nvGraphicFramePr>
+        <p:xfrm>
+          <a:off x="7068459" y="4027706"/>
+          <a:ext cx="4668368" cy="2556679"/>
+        </p:xfrm>
+        <a:graphic>
+          <a:graphicData uri="http://schemas.openxmlformats.org/drawingml/2006/diagram">
+            <dgm:relIds xmlns:dgm="http://schemas.openxmlformats.org/drawingml/2006/diagram" xmlns:r="http://schemas.openxmlformats.org/officeDocument/2006/relationships" r:dm="rId2" r:lo="rId3" r:qs="rId4" r:cs="rId5"/>
+          </a:graphicData>
+        </a:graphic>
+      </p:graphicFrame>
     </p:spTree>
     <p:extLst>
       <p:ext uri="{BB962C8B-B14F-4D97-AF65-F5344CB8AC3E}">
-        <p14:creationId xmlns:p14="http://schemas.microsoft.com/office/powerpoint/2010/main" val="584379319"/>
+        <p14:creationId xmlns:p14="http://schemas.microsoft.com/office/powerpoint/2010/main" val="3116406664"/>
       </p:ext>
     </p:extLst>
   </p:cSld>
@@ -16066,55 +16121,8 @@
           <a:p>
             <a:r>
               <a:rPr lang="en-US" b="1" dirty="0" smtClean="0"/>
-              <a:t>Content Negotiation</a:t>
-            </a:r>
-            <a:endParaRPr lang="en-US" dirty="0"/>
-          </a:p>
-        </p:txBody>
-      </p:sp>
-      <p:sp>
-        <p:nvSpPr>
-          <p:cNvPr id="4" name="TextBox 3"/>
-          <p:cNvSpPr txBox="1"/>
-          <p:nvPr/>
-        </p:nvSpPr>
-        <p:spPr>
-          <a:xfrm>
-            <a:off x="9906000" y="-1"/>
-            <a:ext cx="2286000" cy="2031325"/>
-          </a:xfrm>
-          <a:prstGeom prst="rect">
-            <a:avLst/>
-          </a:prstGeom>
-          <a:solidFill>
-            <a:srgbClr val="FFFF00"/>
-          </a:solidFill>
-          <a:ln>
-            <a:noFill/>
-          </a:ln>
-        </p:spPr>
-        <p:txBody>
-          <a:bodyPr wrap="square" rtlCol="0">
-            <a:spAutoFit/>
-          </a:bodyPr>
-          <a:lstStyle/>
-          <a:p>
-            <a:pPr algn="ctr"/>
-            <a:endParaRPr lang="en-US" dirty="0" smtClean="0"/>
-          </a:p>
-          <a:p>
-            <a:pPr algn="ctr"/>
-            <a:endParaRPr lang="en-US" dirty="0"/>
-          </a:p>
-          <a:p>
-            <a:pPr algn="ctr"/>
-            <a:r>
-              <a:rPr lang="en-US" dirty="0" smtClean="0"/>
-              <a:t>Please leave this area blank to allow for picture in picture recording</a:t>
-            </a:r>
-          </a:p>
-          <a:p>
-            <a:pPr algn="ctr"/>
+              <a:t>Case Study: GitHub API</a:t>
+            </a:r>
             <a:endParaRPr lang="en-US" dirty="0"/>
           </a:p>
         </p:txBody>
@@ -16122,7 +16130,7 @@
     </p:spTree>
     <p:extLst>
       <p:ext uri="{BB962C8B-B14F-4D97-AF65-F5344CB8AC3E}">
-        <p14:creationId xmlns:p14="http://schemas.microsoft.com/office/powerpoint/2010/main" val="2270273370"/>
+        <p14:creationId xmlns:p14="http://schemas.microsoft.com/office/powerpoint/2010/main" val="2236712858"/>
       </p:ext>
     </p:extLst>
   </p:cSld>
@@ -16158,12 +16166,12 @@
       </p:grpSpPr>
       <p:sp>
         <p:nvSpPr>
-          <p:cNvPr id="2" name="Title 1"/>
+          <p:cNvPr id="5" name="Text Placeholder 4"/>
           <p:cNvSpPr>
             <a:spLocks noGrp="1"/>
           </p:cNvSpPr>
           <p:nvPr>
-            <p:ph type="title"/>
+            <p:ph type="body" sz="quarter" idx="10"/>
           </p:nvPr>
         </p:nvSpPr>
         <p:spPr/>
@@ -16173,7 +16181,7 @@
           <a:p>
             <a:r>
               <a:rPr lang="en-US" dirty="0" smtClean="0"/>
-              <a:t>Tools for Testing</a:t>
+              <a:t>Content Negotiation</a:t>
             </a:r>
             <a:endParaRPr lang="en-US" dirty="0"/>
           </a:p>
@@ -16181,12 +16189,12 @@
       </p:sp>
       <p:sp>
         <p:nvSpPr>
-          <p:cNvPr id="3" name="Content Placeholder 2"/>
+          <p:cNvPr id="4" name="Subtitle 3"/>
           <p:cNvSpPr>
             <a:spLocks noGrp="1"/>
           </p:cNvSpPr>
           <p:nvPr>
-            <p:ph sz="quarter" idx="10"/>
+            <p:ph type="subTitle" idx="1"/>
           </p:nvPr>
         </p:nvSpPr>
         <p:spPr/>
@@ -16196,132 +16204,22 @@
           <a:p>
             <a:r>
               <a:rPr lang="en-US" dirty="0" smtClean="0"/>
-              <a:t>Postman Chrome extension</a:t>
-            </a:r>
-          </a:p>
-          <a:p>
-            <a:r>
-              <a:rPr lang="en-US" dirty="0" smtClean="0">
-                <a:hlinkClick r:id="rId2"/>
-              </a:rPr>
-              <a:t>http://bit.ly/postmanext</a:t>
-            </a:r>
-            <a:endParaRPr lang="en-US" dirty="0" smtClean="0"/>
-          </a:p>
-          <a:p>
-            <a:r>
-              <a:rPr lang="en-US" dirty="0" smtClean="0"/>
-              <a:t>Fiddler by Telerik </a:t>
-            </a:r>
-          </a:p>
-          <a:p>
-            <a:r>
-              <a:rPr lang="en-US" dirty="0" smtClean="0">
-                <a:hlinkClick r:id="rId3"/>
-              </a:rPr>
-              <a:t>http://www.Telerik.com/fiddler</a:t>
-            </a:r>
-            <a:r>
-              <a:rPr lang="en-US" dirty="0" smtClean="0"/>
-              <a:t> </a:t>
-            </a:r>
-          </a:p>
-          <a:p>
-            <a:pPr marL="0" indent="0">
-              <a:buNone/>
-            </a:pPr>
-            <a:endParaRPr lang="en-US" dirty="0" smtClean="0"/>
-          </a:p>
-        </p:txBody>
-      </p:sp>
-      <p:sp>
-        <p:nvSpPr>
-          <p:cNvPr id="4" name="TextBox 3"/>
-          <p:cNvSpPr txBox="1"/>
-          <p:nvPr/>
-        </p:nvSpPr>
-        <p:spPr>
-          <a:xfrm>
-            <a:off x="9906000" y="-1"/>
-            <a:ext cx="2286000" cy="2031325"/>
-          </a:xfrm>
-          <a:prstGeom prst="rect">
-            <a:avLst/>
-          </a:prstGeom>
-          <a:solidFill>
-            <a:srgbClr val="FFFF00"/>
-          </a:solidFill>
-          <a:ln>
-            <a:noFill/>
-          </a:ln>
-        </p:spPr>
-        <p:txBody>
-          <a:bodyPr wrap="square" rtlCol="0">
-            <a:spAutoFit/>
-          </a:bodyPr>
-          <a:lstStyle/>
-          <a:p>
-            <a:pPr algn="ctr"/>
-            <a:endParaRPr lang="en-US" dirty="0" smtClean="0"/>
-          </a:p>
-          <a:p>
-            <a:pPr algn="ctr"/>
-            <a:endParaRPr lang="en-US" dirty="0"/>
-          </a:p>
-          <a:p>
-            <a:pPr algn="ctr"/>
-            <a:r>
-              <a:rPr lang="en-US" dirty="0" smtClean="0"/>
-              <a:t>Please leave this area blank to allow for picture in picture recording</a:t>
-            </a:r>
-          </a:p>
-          <a:p>
-            <a:pPr algn="ctr"/>
+              <a:t>How to generate forms (XML, JSON, etc.)</a:t>
+            </a:r>
             <a:endParaRPr lang="en-US" dirty="0"/>
           </a:p>
         </p:txBody>
       </p:sp>
-      <p:pic>
-        <p:nvPicPr>
-          <p:cNvPr id="5" name="Picture 4"/>
-          <p:cNvPicPr>
-            <a:picLocks noChangeAspect="1"/>
-          </p:cNvPicPr>
-          <p:nvPr/>
-        </p:nvPicPr>
-        <p:blipFill>
-          <a:blip r:embed="rId4"/>
-          <a:stretch>
-            <a:fillRect/>
-          </a:stretch>
-        </p:blipFill>
-        <p:spPr>
-          <a:xfrm>
-            <a:off x="2540340" y="4175052"/>
-            <a:ext cx="7202780" cy="2884180"/>
-          </a:xfrm>
-          <a:prstGeom prst="rect">
-            <a:avLst/>
-          </a:prstGeom>
-        </p:spPr>
-      </p:pic>
     </p:spTree>
     <p:extLst>
       <p:ext uri="{BB962C8B-B14F-4D97-AF65-F5344CB8AC3E}">
-        <p14:creationId xmlns:p14="http://schemas.microsoft.com/office/powerpoint/2010/main" val="4290837680"/>
+        <p14:creationId xmlns:p14="http://schemas.microsoft.com/office/powerpoint/2010/main" val="4100715223"/>
       </p:ext>
     </p:extLst>
   </p:cSld>
   <p:clrMapOvr>
     <a:masterClrMapping/>
   </p:clrMapOvr>
-  <p:timing>
-    <p:tnLst>
-      <p:par>
-        <p:cTn id="1" dur="indefinite" restart="never" nodeType="tmRoot"/>
-      </p:par>
-    </p:tnLst>
-  </p:timing>
 </p:sld>
 </file>
 
@@ -16358,8 +16256,8 @@
           <a:lstStyle/>
           <a:p>
             <a:r>
-              <a:rPr lang="en-US" b="1" dirty="0" smtClean="0"/>
-              <a:t>Using Testing Tools</a:t>
+              <a:rPr lang="en-US" dirty="0" smtClean="0"/>
+              <a:t>Content Negotiation</a:t>
             </a:r>
             <a:endParaRPr lang="en-US" dirty="0"/>
           </a:p>
@@ -16367,55 +16265,60 @@
       </p:sp>
       <p:sp>
         <p:nvSpPr>
-          <p:cNvPr id="4" name="TextBox 3"/>
-          <p:cNvSpPr txBox="1"/>
-          <p:nvPr/>
+          <p:cNvPr id="3" name="Content Placeholder 2"/>
+          <p:cNvSpPr>
+            <a:spLocks noGrp="1"/>
+          </p:cNvSpPr>
+          <p:nvPr>
+            <p:ph sz="quarter" idx="10"/>
+          </p:nvPr>
         </p:nvSpPr>
-        <p:spPr>
-          <a:xfrm>
-            <a:off x="9906000" y="-1"/>
-            <a:ext cx="2286000" cy="2031325"/>
-          </a:xfrm>
-          <a:prstGeom prst="rect">
-            <a:avLst/>
-          </a:prstGeom>
-          <a:solidFill>
-            <a:srgbClr val="FFFF00"/>
-          </a:solidFill>
-          <a:ln>
-            <a:noFill/>
-          </a:ln>
-        </p:spPr>
+        <p:spPr/>
         <p:txBody>
-          <a:bodyPr wrap="square" rtlCol="0">
-            <a:spAutoFit/>
-          </a:bodyPr>
+          <a:bodyPr/>
           <a:lstStyle/>
           <a:p>
-            <a:pPr algn="ctr"/>
-            <a:endParaRPr lang="en-US" dirty="0" smtClean="0"/>
+            <a:r>
+              <a:rPr lang="en-US" dirty="0" smtClean="0"/>
+              <a:t>Apps consume content in different ways </a:t>
+            </a:r>
           </a:p>
           <a:p>
-            <a:pPr algn="ctr"/>
-            <a:endParaRPr lang="en-US" dirty="0"/>
+            <a:r>
+              <a:rPr lang="en-US" dirty="0" smtClean="0"/>
+              <a:t>For example, XML used to be the most popular format</a:t>
+            </a:r>
           </a:p>
           <a:p>
-            <a:pPr algn="ctr"/>
             <a:r>
               <a:rPr lang="en-US" dirty="0" smtClean="0"/>
-              <a:t>Please leave this area blank to allow for picture in picture recording</a:t>
+              <a:t>Now of course JSON is most popular</a:t>
             </a:r>
           </a:p>
           <a:p>
-            <a:pPr algn="ctr"/>
-            <a:endParaRPr lang="en-US" dirty="0"/>
+            <a:r>
+              <a:rPr lang="en-US" dirty="0" smtClean="0"/>
+              <a:t>A good service should support multiple content types</a:t>
+            </a:r>
+          </a:p>
+          <a:p>
+            <a:r>
+              <a:rPr lang="en-US" dirty="0" smtClean="0"/>
+              <a:t>A good client will request the favored type </a:t>
+            </a:r>
+          </a:p>
+          <a:p>
+            <a:r>
+              <a:rPr lang="en-US" dirty="0" smtClean="0"/>
+              <a:t>Out of the box, Web API handles provisioning content based on common requests</a:t>
+            </a:r>
           </a:p>
         </p:txBody>
       </p:sp>
     </p:spTree>
     <p:extLst>
       <p:ext uri="{BB962C8B-B14F-4D97-AF65-F5344CB8AC3E}">
-        <p14:creationId xmlns:p14="http://schemas.microsoft.com/office/powerpoint/2010/main" val="2016122624"/>
+        <p14:creationId xmlns:p14="http://schemas.microsoft.com/office/powerpoint/2010/main" val="584379319"/>
       </p:ext>
     </p:extLst>
   </p:cSld>
@@ -16465,125 +16368,9 @@
           <a:lstStyle/>
           <a:p>
             <a:r>
-              <a:rPr lang="en-US" dirty="0" smtClean="0"/>
-              <a:t>Consuming a RESTful API with jQuery</a:t>
-            </a:r>
-          </a:p>
-        </p:txBody>
-      </p:sp>
-      <p:sp>
-        <p:nvSpPr>
-          <p:cNvPr id="3" name="Content Placeholder 2"/>
-          <p:cNvSpPr>
-            <a:spLocks noGrp="1"/>
-          </p:cNvSpPr>
-          <p:nvPr>
-            <p:ph sz="quarter" idx="10"/>
-          </p:nvPr>
-        </p:nvSpPr>
-        <p:spPr/>
-        <p:txBody>
-          <a:bodyPr/>
-          <a:lstStyle/>
-          <a:p>
-            <a:r>
-              <a:rPr lang="en-US" dirty="0" smtClean="0"/>
-              <a:t>$.</a:t>
-            </a:r>
-            <a:r>
-              <a:rPr lang="en-US" dirty="0" err="1" smtClean="0"/>
-              <a:t>ajax</a:t>
-            </a:r>
-            <a:r>
-              <a:rPr lang="en-US" dirty="0" smtClean="0"/>
-              <a:t> </a:t>
-            </a:r>
-          </a:p>
-          <a:p>
-            <a:r>
-              <a:rPr lang="en-US" dirty="0" smtClean="0"/>
-              <a:t>Verbs (PUT, POST, GET) </a:t>
-            </a:r>
-          </a:p>
-          <a:p>
-            <a:r>
-              <a:rPr lang="en-US" dirty="0" smtClean="0"/>
-              <a:t>URL (resource)</a:t>
-            </a:r>
-          </a:p>
-          <a:p>
-            <a:r>
-              <a:rPr lang="en-US" dirty="0" smtClean="0"/>
-              <a:t>Data </a:t>
-            </a:r>
-          </a:p>
-          <a:p>
-            <a:r>
-              <a:rPr lang="en-US" dirty="0" err="1" smtClean="0"/>
-              <a:t>DataType</a:t>
-            </a:r>
-            <a:r>
-              <a:rPr lang="en-US" dirty="0" smtClean="0"/>
-              <a:t> </a:t>
-            </a:r>
-            <a:endParaRPr lang="en-US" dirty="0"/>
-          </a:p>
-          <a:p>
-            <a:r>
-              <a:rPr lang="en-US" dirty="0" smtClean="0"/>
-              <a:t>JSON makes it really, really easy to turn into a </a:t>
-            </a:r>
-            <a:r>
-              <a:rPr lang="en-US" smtClean="0"/>
-              <a:t>JavaScript object</a:t>
-            </a:r>
-            <a:endParaRPr lang="en-US" dirty="0" smtClean="0"/>
-          </a:p>
-        </p:txBody>
-      </p:sp>
-      <p:sp>
-        <p:nvSpPr>
-          <p:cNvPr id="4" name="TextBox 3"/>
-          <p:cNvSpPr txBox="1"/>
-          <p:nvPr/>
-        </p:nvSpPr>
-        <p:spPr>
-          <a:xfrm>
-            <a:off x="9906000" y="-1"/>
-            <a:ext cx="2286000" cy="2031325"/>
-          </a:xfrm>
-          <a:prstGeom prst="rect">
-            <a:avLst/>
-          </a:prstGeom>
-          <a:solidFill>
-            <a:srgbClr val="FFFF00"/>
-          </a:solidFill>
-          <a:ln>
-            <a:noFill/>
-          </a:ln>
-        </p:spPr>
-        <p:txBody>
-          <a:bodyPr wrap="square" rtlCol="0">
-            <a:spAutoFit/>
-          </a:bodyPr>
-          <a:lstStyle/>
-          <a:p>
-            <a:pPr algn="ctr"/>
-            <a:endParaRPr lang="en-US" dirty="0" smtClean="0"/>
-          </a:p>
-          <a:p>
-            <a:pPr algn="ctr"/>
-            <a:endParaRPr lang="en-US" dirty="0"/>
-          </a:p>
-          <a:p>
-            <a:pPr algn="ctr"/>
-            <a:r>
-              <a:rPr lang="en-US" dirty="0" smtClean="0"/>
-              <a:t>Please leave this area blank to allow for picture in picture recording</a:t>
-            </a:r>
-          </a:p>
-          <a:p>
-            <a:pPr algn="ctr"/>
+              <a:rPr lang="en-US" b="1" dirty="0" smtClean="0"/>
+              <a:t>Content Negotiation</a:t>
+            </a:r>
             <a:endParaRPr lang="en-US" dirty="0"/>
           </a:p>
         </p:txBody>
@@ -16591,7 +16378,7 @@
     </p:spTree>
     <p:extLst>
       <p:ext uri="{BB962C8B-B14F-4D97-AF65-F5344CB8AC3E}">
-        <p14:creationId xmlns:p14="http://schemas.microsoft.com/office/powerpoint/2010/main" val="3330636896"/>
+        <p14:creationId xmlns:p14="http://schemas.microsoft.com/office/powerpoint/2010/main" val="2270273370"/>
       </p:ext>
     </p:extLst>
   </p:cSld>
@@ -16627,12 +16414,12 @@
       </p:grpSpPr>
       <p:sp>
         <p:nvSpPr>
-          <p:cNvPr id="2" name="Title 1"/>
+          <p:cNvPr id="5" name="Text Placeholder 4"/>
           <p:cNvSpPr>
             <a:spLocks noGrp="1"/>
           </p:cNvSpPr>
           <p:nvPr>
-            <p:ph type="title"/>
+            <p:ph type="body" sz="quarter" idx="10"/>
           </p:nvPr>
         </p:nvSpPr>
         <p:spPr/>
@@ -16641,8 +16428,8 @@
           <a:lstStyle/>
           <a:p>
             <a:r>
-              <a:rPr lang="en-US" b="1" dirty="0" smtClean="0"/>
-              <a:t>Consuming a RESTful API with jQuery</a:t>
+              <a:rPr lang="en-US" dirty="0" smtClean="0"/>
+              <a:t>Tools for Testing</a:t>
             </a:r>
             <a:endParaRPr lang="en-US" dirty="0"/>
           </a:p>
@@ -16650,47 +16437,23 @@
       </p:sp>
       <p:sp>
         <p:nvSpPr>
-          <p:cNvPr id="4" name="TextBox 3"/>
-          <p:cNvSpPr txBox="1"/>
-          <p:nvPr/>
+          <p:cNvPr id="4" name="Subtitle 3"/>
+          <p:cNvSpPr>
+            <a:spLocks noGrp="1"/>
+          </p:cNvSpPr>
+          <p:nvPr>
+            <p:ph type="subTitle" idx="1"/>
+          </p:nvPr>
         </p:nvSpPr>
-        <p:spPr>
-          <a:xfrm>
-            <a:off x="9906000" y="-1"/>
-            <a:ext cx="2286000" cy="2031325"/>
-          </a:xfrm>
-          <a:prstGeom prst="rect">
-            <a:avLst/>
-          </a:prstGeom>
-          <a:solidFill>
-            <a:srgbClr val="FFFF00"/>
-          </a:solidFill>
-          <a:ln>
-            <a:noFill/>
-          </a:ln>
-        </p:spPr>
+        <p:spPr/>
         <p:txBody>
-          <a:bodyPr wrap="square" rtlCol="0">
-            <a:spAutoFit/>
-          </a:bodyPr>
+          <a:bodyPr/>
           <a:lstStyle/>
           <a:p>
-            <a:pPr algn="ctr"/>
-            <a:endParaRPr lang="en-US" dirty="0" smtClean="0"/>
-          </a:p>
-          <a:p>
-            <a:pPr algn="ctr"/>
-            <a:endParaRPr lang="en-US" dirty="0"/>
-          </a:p>
-          <a:p>
-            <a:pPr algn="ctr"/>
             <a:r>
               <a:rPr lang="en-US" dirty="0" smtClean="0"/>
-              <a:t>Please leave this area blank to allow for picture in picture recording</a:t>
-            </a:r>
-          </a:p>
-          <a:p>
-            <a:pPr algn="ctr"/>
+              <a:t>Test the API without having to write the entire app!</a:t>
+            </a:r>
             <a:endParaRPr lang="en-US" dirty="0"/>
           </a:p>
         </p:txBody>
@@ -16698,20 +16461,13 @@
     </p:spTree>
     <p:extLst>
       <p:ext uri="{BB962C8B-B14F-4D97-AF65-F5344CB8AC3E}">
-        <p14:creationId xmlns:p14="http://schemas.microsoft.com/office/powerpoint/2010/main" val="905706473"/>
+        <p14:creationId xmlns:p14="http://schemas.microsoft.com/office/powerpoint/2010/main" val="589363366"/>
       </p:ext>
     </p:extLst>
   </p:cSld>
   <p:clrMapOvr>
     <a:masterClrMapping/>
   </p:clrMapOvr>
-  <p:timing>
-    <p:tnLst>
-      <p:par>
-        <p:cTn id="1" dur="indefinite" restart="never" nodeType="tmRoot"/>
-      </p:par>
-    </p:tnLst>
-  </p:timing>
 </p:sld>
 </file>
 
@@ -16732,10 +16488,112 @@
           <a:chExt cx="0" cy="0"/>
         </a:xfrm>
       </p:grpSpPr>
+      <p:sp>
+        <p:nvSpPr>
+          <p:cNvPr id="2" name="Title 1"/>
+          <p:cNvSpPr>
+            <a:spLocks noGrp="1"/>
+          </p:cNvSpPr>
+          <p:nvPr>
+            <p:ph type="title"/>
+          </p:nvPr>
+        </p:nvSpPr>
+        <p:spPr/>
+        <p:txBody>
+          <a:bodyPr/>
+          <a:lstStyle/>
+          <a:p>
+            <a:r>
+              <a:rPr lang="en-US" dirty="0" smtClean="0"/>
+              <a:t>Tools for Testing</a:t>
+            </a:r>
+            <a:endParaRPr lang="en-US" dirty="0"/>
+          </a:p>
+        </p:txBody>
+      </p:sp>
+      <p:sp>
+        <p:nvSpPr>
+          <p:cNvPr id="3" name="Content Placeholder 2"/>
+          <p:cNvSpPr>
+            <a:spLocks noGrp="1"/>
+          </p:cNvSpPr>
+          <p:nvPr>
+            <p:ph sz="quarter" idx="10"/>
+          </p:nvPr>
+        </p:nvSpPr>
+        <p:spPr/>
+        <p:txBody>
+          <a:bodyPr/>
+          <a:lstStyle/>
+          <a:p>
+            <a:r>
+              <a:rPr lang="en-US" dirty="0" smtClean="0"/>
+              <a:t>Postman Chrome extension</a:t>
+            </a:r>
+          </a:p>
+          <a:p>
+            <a:r>
+              <a:rPr lang="en-US" dirty="0" smtClean="0">
+                <a:hlinkClick r:id="rId2"/>
+              </a:rPr>
+              <a:t>http://bit.ly/postmanext</a:t>
+            </a:r>
+            <a:endParaRPr lang="en-US" dirty="0" smtClean="0"/>
+          </a:p>
+          <a:p>
+            <a:r>
+              <a:rPr lang="en-US" dirty="0" smtClean="0"/>
+              <a:t>Fiddler by Telerik </a:t>
+            </a:r>
+          </a:p>
+          <a:p>
+            <a:r>
+              <a:rPr lang="en-US" dirty="0" smtClean="0">
+                <a:hlinkClick r:id="rId3"/>
+              </a:rPr>
+              <a:t>http://www.Telerik.com/fiddler</a:t>
+            </a:r>
+            <a:r>
+              <a:rPr lang="en-US" dirty="0" smtClean="0"/>
+              <a:t> </a:t>
+            </a:r>
+          </a:p>
+          <a:p>
+            <a:pPr marL="0" indent="0">
+              <a:buNone/>
+            </a:pPr>
+            <a:endParaRPr lang="en-US" dirty="0" smtClean="0"/>
+          </a:p>
+        </p:txBody>
+      </p:sp>
+      <p:pic>
+        <p:nvPicPr>
+          <p:cNvPr id="5" name="Picture 4"/>
+          <p:cNvPicPr>
+            <a:picLocks noChangeAspect="1"/>
+          </p:cNvPicPr>
+          <p:nvPr/>
+        </p:nvPicPr>
+        <p:blipFill>
+          <a:blip r:embed="rId4"/>
+          <a:stretch>
+            <a:fillRect/>
+          </a:stretch>
+        </p:blipFill>
+        <p:spPr>
+          <a:xfrm>
+            <a:off x="2540340" y="4175052"/>
+            <a:ext cx="7202780" cy="2884180"/>
+          </a:xfrm>
+          <a:prstGeom prst="rect">
+            <a:avLst/>
+          </a:prstGeom>
+        </p:spPr>
+      </p:pic>
     </p:spTree>
     <p:extLst>
       <p:ext uri="{BB962C8B-B14F-4D97-AF65-F5344CB8AC3E}">
-        <p14:creationId xmlns:p14="http://schemas.microsoft.com/office/powerpoint/2010/main" val="898363405"/>
+        <p14:creationId xmlns:p14="http://schemas.microsoft.com/office/powerpoint/2010/main" val="4290837680"/>
       </p:ext>
     </p:extLst>
   </p:cSld>
@@ -16749,6 +16607,142 @@
       </p:par>
     </p:tnLst>
   </p:timing>
+</p:sld>
+</file>
+
+<file path=ppt/slides/slide18.xml><?xml version="1.0" encoding="utf-8"?>
+<p:sld xmlns:a="http://schemas.openxmlformats.org/drawingml/2006/main" xmlns:r="http://schemas.openxmlformats.org/officeDocument/2006/relationships" xmlns:p="http://schemas.openxmlformats.org/presentationml/2006/main">
+  <p:cSld>
+    <p:spTree>
+      <p:nvGrpSpPr>
+        <p:cNvPr id="1" name=""/>
+        <p:cNvGrpSpPr/>
+        <p:nvPr/>
+      </p:nvGrpSpPr>
+      <p:grpSpPr>
+        <a:xfrm>
+          <a:off x="0" y="0"/>
+          <a:ext cx="0" cy="0"/>
+          <a:chOff x="0" y="0"/>
+          <a:chExt cx="0" cy="0"/>
+        </a:xfrm>
+      </p:grpSpPr>
+      <p:sp>
+        <p:nvSpPr>
+          <p:cNvPr id="2" name="Title 1"/>
+          <p:cNvSpPr>
+            <a:spLocks noGrp="1"/>
+          </p:cNvSpPr>
+          <p:nvPr>
+            <p:ph type="title"/>
+          </p:nvPr>
+        </p:nvSpPr>
+        <p:spPr/>
+        <p:txBody>
+          <a:bodyPr/>
+          <a:lstStyle/>
+          <a:p>
+            <a:r>
+              <a:rPr lang="en-US" b="1" dirty="0" smtClean="0"/>
+              <a:t>Using Testing Tools</a:t>
+            </a:r>
+            <a:endParaRPr lang="en-US" dirty="0"/>
+          </a:p>
+        </p:txBody>
+      </p:sp>
+    </p:spTree>
+    <p:extLst>
+      <p:ext uri="{BB962C8B-B14F-4D97-AF65-F5344CB8AC3E}">
+        <p14:creationId xmlns:p14="http://schemas.microsoft.com/office/powerpoint/2010/main" val="2016122624"/>
+      </p:ext>
+    </p:extLst>
+  </p:cSld>
+  <p:clrMapOvr>
+    <a:masterClrMapping/>
+  </p:clrMapOvr>
+  <p:timing>
+    <p:tnLst>
+      <p:par>
+        <p:cTn id="1" dur="indefinite" restart="never" nodeType="tmRoot"/>
+      </p:par>
+    </p:tnLst>
+  </p:timing>
+</p:sld>
+</file>
+
+<file path=ppt/slides/slide19.xml><?xml version="1.0" encoding="utf-8"?>
+<p:sld xmlns:a="http://schemas.openxmlformats.org/drawingml/2006/main" xmlns:r="http://schemas.openxmlformats.org/officeDocument/2006/relationships" xmlns:p="http://schemas.openxmlformats.org/presentationml/2006/main">
+  <p:cSld>
+    <p:spTree>
+      <p:nvGrpSpPr>
+        <p:cNvPr id="1" name=""/>
+        <p:cNvGrpSpPr/>
+        <p:nvPr/>
+      </p:nvGrpSpPr>
+      <p:grpSpPr>
+        <a:xfrm>
+          <a:off x="0" y="0"/>
+          <a:ext cx="0" cy="0"/>
+          <a:chOff x="0" y="0"/>
+          <a:chExt cx="0" cy="0"/>
+        </a:xfrm>
+      </p:grpSpPr>
+      <p:sp>
+        <p:nvSpPr>
+          <p:cNvPr id="5" name="Text Placeholder 4"/>
+          <p:cNvSpPr>
+            <a:spLocks noGrp="1"/>
+          </p:cNvSpPr>
+          <p:nvPr>
+            <p:ph type="body" sz="quarter" idx="10"/>
+          </p:nvPr>
+        </p:nvSpPr>
+        <p:spPr/>
+        <p:txBody>
+          <a:bodyPr/>
+          <a:lstStyle/>
+          <a:p>
+            <a:r>
+              <a:rPr lang="en-US" dirty="0" smtClean="0"/>
+              <a:t>Consuming REST with jQuery</a:t>
+            </a:r>
+            <a:endParaRPr lang="en-US" dirty="0"/>
+          </a:p>
+        </p:txBody>
+      </p:sp>
+      <p:sp>
+        <p:nvSpPr>
+          <p:cNvPr id="4" name="Subtitle 3"/>
+          <p:cNvSpPr>
+            <a:spLocks noGrp="1"/>
+          </p:cNvSpPr>
+          <p:nvPr>
+            <p:ph type="subTitle" idx="1"/>
+          </p:nvPr>
+        </p:nvSpPr>
+        <p:spPr/>
+        <p:txBody>
+          <a:bodyPr/>
+          <a:lstStyle/>
+          <a:p>
+            <a:r>
+              <a:rPr lang="en-US" dirty="0" smtClean="0"/>
+              <a:t>(or why JSON is such a good thing™)</a:t>
+            </a:r>
+            <a:endParaRPr lang="en-US" dirty="0"/>
+          </a:p>
+        </p:txBody>
+      </p:sp>
+    </p:spTree>
+    <p:extLst>
+      <p:ext uri="{BB962C8B-B14F-4D97-AF65-F5344CB8AC3E}">
+        <p14:creationId xmlns:p14="http://schemas.microsoft.com/office/powerpoint/2010/main" val="3208033321"/>
+      </p:ext>
+    </p:extLst>
+  </p:cSld>
+  <p:clrMapOvr>
+    <a:masterClrMapping/>
+  </p:clrMapOvr>
 </p:sld>
 </file>
 
@@ -16849,49 +16843,191 @@
           </a:p>
         </p:txBody>
       </p:sp>
+    </p:spTree>
+    <p:extLst>
+      <p:ext uri="{BB962C8B-B14F-4D97-AF65-F5344CB8AC3E}">
+        <p14:creationId xmlns:p14="http://schemas.microsoft.com/office/powerpoint/2010/main" val="318349970"/>
+      </p:ext>
+    </p:extLst>
+  </p:cSld>
+  <p:clrMapOvr>
+    <a:masterClrMapping/>
+  </p:clrMapOvr>
+  <p:timing>
+    <p:tnLst>
+      <p:par>
+        <p:cTn id="1" dur="indefinite" restart="never" nodeType="tmRoot"/>
+      </p:par>
+    </p:tnLst>
+  </p:timing>
+</p:sld>
+</file>
+
+<file path=ppt/slides/slide20.xml><?xml version="1.0" encoding="utf-8"?>
+<p:sld xmlns:a="http://schemas.openxmlformats.org/drawingml/2006/main" xmlns:r="http://schemas.openxmlformats.org/officeDocument/2006/relationships" xmlns:p="http://schemas.openxmlformats.org/presentationml/2006/main">
+  <p:cSld>
+    <p:spTree>
+      <p:nvGrpSpPr>
+        <p:cNvPr id="1" name=""/>
+        <p:cNvGrpSpPr/>
+        <p:nvPr/>
+      </p:nvGrpSpPr>
+      <p:grpSpPr>
+        <a:xfrm>
+          <a:off x="0" y="0"/>
+          <a:ext cx="0" cy="0"/>
+          <a:chOff x="0" y="0"/>
+          <a:chExt cx="0" cy="0"/>
+        </a:xfrm>
+      </p:grpSpPr>
       <p:sp>
         <p:nvSpPr>
-          <p:cNvPr id="5" name="TextBox 4"/>
-          <p:cNvSpPr txBox="1"/>
-          <p:nvPr/>
+          <p:cNvPr id="2" name="Title 1"/>
+          <p:cNvSpPr>
+            <a:spLocks noGrp="1"/>
+          </p:cNvSpPr>
+          <p:nvPr>
+            <p:ph type="title"/>
+          </p:nvPr>
         </p:nvSpPr>
-        <p:spPr>
-          <a:xfrm>
-            <a:off x="9906000" y="-1"/>
-            <a:ext cx="2286000" cy="2031325"/>
-          </a:xfrm>
-          <a:prstGeom prst="rect">
-            <a:avLst/>
-          </a:prstGeom>
-          <a:solidFill>
-            <a:srgbClr val="FFFF00"/>
-          </a:solidFill>
-          <a:ln>
-            <a:noFill/>
-          </a:ln>
-        </p:spPr>
+        <p:spPr/>
         <p:txBody>
-          <a:bodyPr wrap="square" rtlCol="0">
-            <a:spAutoFit/>
-          </a:bodyPr>
+          <a:bodyPr/>
           <a:lstStyle/>
           <a:p>
-            <a:pPr algn="ctr"/>
-            <a:endParaRPr lang="en-US" dirty="0" smtClean="0"/>
+            <a:r>
+              <a:rPr lang="en-US" dirty="0" smtClean="0"/>
+              <a:t>Consuming a RESTful API with jQuery</a:t>
+            </a:r>
+          </a:p>
+        </p:txBody>
+      </p:sp>
+      <p:sp>
+        <p:nvSpPr>
+          <p:cNvPr id="3" name="Content Placeholder 2"/>
+          <p:cNvSpPr>
+            <a:spLocks noGrp="1"/>
+          </p:cNvSpPr>
+          <p:nvPr>
+            <p:ph sz="quarter" idx="10"/>
+          </p:nvPr>
+        </p:nvSpPr>
+        <p:spPr/>
+        <p:txBody>
+          <a:bodyPr/>
+          <a:lstStyle/>
+          <a:p>
+            <a:r>
+              <a:rPr lang="en-US" dirty="0" smtClean="0"/>
+              <a:t>$.</a:t>
+            </a:r>
+            <a:r>
+              <a:rPr lang="en-US" dirty="0" err="1" smtClean="0"/>
+              <a:t>ajax</a:t>
+            </a:r>
+            <a:r>
+              <a:rPr lang="en-US" dirty="0" smtClean="0"/>
+              <a:t> </a:t>
+            </a:r>
           </a:p>
           <a:p>
-            <a:pPr algn="ctr"/>
+            <a:r>
+              <a:rPr lang="en-US" dirty="0" smtClean="0"/>
+              <a:t>Verbs (PUT, POST, GET) </a:t>
+            </a:r>
+          </a:p>
+          <a:p>
+            <a:r>
+              <a:rPr lang="en-US" dirty="0" smtClean="0"/>
+              <a:t>URL (resource)</a:t>
+            </a:r>
+          </a:p>
+          <a:p>
+            <a:r>
+              <a:rPr lang="en-US" dirty="0" smtClean="0"/>
+              <a:t>Data </a:t>
+            </a:r>
+          </a:p>
+          <a:p>
+            <a:r>
+              <a:rPr lang="en-US" dirty="0" err="1" smtClean="0"/>
+              <a:t>DataType</a:t>
+            </a:r>
+            <a:r>
+              <a:rPr lang="en-US" dirty="0" smtClean="0"/>
+              <a:t> </a:t>
+            </a:r>
             <a:endParaRPr lang="en-US" dirty="0"/>
           </a:p>
           <a:p>
-            <a:pPr algn="ctr"/>
             <a:r>
               <a:rPr lang="en-US" dirty="0" smtClean="0"/>
-              <a:t>Please leave this area blank to allow for picture in picture recording</a:t>
-            </a:r>
+              <a:t>JSON makes it really, really easy to turn into a </a:t>
+            </a:r>
+            <a:r>
+              <a:rPr lang="en-US" smtClean="0"/>
+              <a:t>JavaScript object</a:t>
+            </a:r>
+            <a:endParaRPr lang="en-US" dirty="0" smtClean="0"/>
           </a:p>
+        </p:txBody>
+      </p:sp>
+    </p:spTree>
+    <p:extLst>
+      <p:ext uri="{BB962C8B-B14F-4D97-AF65-F5344CB8AC3E}">
+        <p14:creationId xmlns:p14="http://schemas.microsoft.com/office/powerpoint/2010/main" val="3330636896"/>
+      </p:ext>
+    </p:extLst>
+  </p:cSld>
+  <p:clrMapOvr>
+    <a:masterClrMapping/>
+  </p:clrMapOvr>
+  <p:timing>
+    <p:tnLst>
+      <p:par>
+        <p:cTn id="1" dur="indefinite" restart="never" nodeType="tmRoot"/>
+      </p:par>
+    </p:tnLst>
+  </p:timing>
+</p:sld>
+</file>
+
+<file path=ppt/slides/slide21.xml><?xml version="1.0" encoding="utf-8"?>
+<p:sld xmlns:a="http://schemas.openxmlformats.org/drawingml/2006/main" xmlns:r="http://schemas.openxmlformats.org/officeDocument/2006/relationships" xmlns:p="http://schemas.openxmlformats.org/presentationml/2006/main">
+  <p:cSld>
+    <p:spTree>
+      <p:nvGrpSpPr>
+        <p:cNvPr id="1" name=""/>
+        <p:cNvGrpSpPr/>
+        <p:nvPr/>
+      </p:nvGrpSpPr>
+      <p:grpSpPr>
+        <a:xfrm>
+          <a:off x="0" y="0"/>
+          <a:ext cx="0" cy="0"/>
+          <a:chOff x="0" y="0"/>
+          <a:chExt cx="0" cy="0"/>
+        </a:xfrm>
+      </p:grpSpPr>
+      <p:sp>
+        <p:nvSpPr>
+          <p:cNvPr id="2" name="Title 1"/>
+          <p:cNvSpPr>
+            <a:spLocks noGrp="1"/>
+          </p:cNvSpPr>
+          <p:nvPr>
+            <p:ph type="title"/>
+          </p:nvPr>
+        </p:nvSpPr>
+        <p:spPr/>
+        <p:txBody>
+          <a:bodyPr/>
+          <a:lstStyle/>
           <a:p>
-            <a:pPr algn="ctr"/>
+            <a:r>
+              <a:rPr lang="en-US" b="1" dirty="0" smtClean="0"/>
+              <a:t>Consuming a RESTful API with jQuery</a:t>
+            </a:r>
             <a:endParaRPr lang="en-US" dirty="0"/>
           </a:p>
         </p:txBody>
@@ -16899,7 +17035,44 @@
     </p:spTree>
     <p:extLst>
       <p:ext uri="{BB962C8B-B14F-4D97-AF65-F5344CB8AC3E}">
-        <p14:creationId xmlns:p14="http://schemas.microsoft.com/office/powerpoint/2010/main" val="318349970"/>
+        <p14:creationId xmlns:p14="http://schemas.microsoft.com/office/powerpoint/2010/main" val="905706473"/>
+      </p:ext>
+    </p:extLst>
+  </p:cSld>
+  <p:clrMapOvr>
+    <a:masterClrMapping/>
+  </p:clrMapOvr>
+  <p:timing>
+    <p:tnLst>
+      <p:par>
+        <p:cTn id="1" dur="indefinite" restart="never" nodeType="tmRoot"/>
+      </p:par>
+    </p:tnLst>
+  </p:timing>
+</p:sld>
+</file>
+
+<file path=ppt/slides/slide22.xml><?xml version="1.0" encoding="utf-8"?>
+<p:sld xmlns:a="http://schemas.openxmlformats.org/drawingml/2006/main" xmlns:r="http://schemas.openxmlformats.org/officeDocument/2006/relationships" xmlns:p="http://schemas.openxmlformats.org/presentationml/2006/main">
+  <p:cSld>
+    <p:spTree>
+      <p:nvGrpSpPr>
+        <p:cNvPr id="1" name=""/>
+        <p:cNvGrpSpPr/>
+        <p:nvPr/>
+      </p:nvGrpSpPr>
+      <p:grpSpPr>
+        <a:xfrm>
+          <a:off x="0" y="0"/>
+          <a:ext cx="0" cy="0"/>
+          <a:chOff x="0" y="0"/>
+          <a:chExt cx="0" cy="0"/>
+        </a:xfrm>
+      </p:grpSpPr>
+    </p:spTree>
+    <p:extLst>
+      <p:ext uri="{BB962C8B-B14F-4D97-AF65-F5344CB8AC3E}">
+        <p14:creationId xmlns:p14="http://schemas.microsoft.com/office/powerpoint/2010/main" val="898363405"/>
       </p:ext>
     </p:extLst>
   </p:cSld>
@@ -16935,12 +17108,12 @@
       </p:grpSpPr>
       <p:sp>
         <p:nvSpPr>
-          <p:cNvPr id="2" name="Title 1"/>
+          <p:cNvPr id="5" name="Text Placeholder 4"/>
           <p:cNvSpPr>
             <a:spLocks noGrp="1"/>
           </p:cNvSpPr>
           <p:nvPr>
-            <p:ph type="title"/>
+            <p:ph type="body" sz="quarter" idx="10"/>
           </p:nvPr>
         </p:nvSpPr>
         <p:spPr/>
@@ -16958,12 +17131,12 @@
       </p:sp>
       <p:sp>
         <p:nvSpPr>
-          <p:cNvPr id="3" name="Content Placeholder 2"/>
+          <p:cNvPr id="4" name="Subtitle 3"/>
           <p:cNvSpPr>
             <a:spLocks noGrp="1"/>
           </p:cNvSpPr>
           <p:nvPr>
-            <p:ph sz="quarter" idx="10"/>
+            <p:ph type="subTitle" idx="1"/>
           </p:nvPr>
         </p:nvSpPr>
         <p:spPr/>
@@ -16973,84 +17146,8 @@
           <a:p>
             <a:r>
               <a:rPr lang="en-US" dirty="0" smtClean="0"/>
-              <a:t>Collection or Singleton: /widgets or /widgets/1</a:t>
-            </a:r>
-          </a:p>
-          <a:p>
-            <a:r>
-              <a:rPr lang="en-US" dirty="0" smtClean="0"/>
-              <a:t>Navigation: /widgets/1/things or /widgets/1/things/1</a:t>
-            </a:r>
-          </a:p>
-          <a:p>
-            <a:r>
-              <a:rPr lang="en-US" dirty="0" smtClean="0"/>
-              <a:t>Nouns</a:t>
-            </a:r>
-          </a:p>
-          <a:p>
-            <a:r>
-              <a:rPr lang="en-US" dirty="0" smtClean="0"/>
-              <a:t>“Target of a hypertext reference” </a:t>
-            </a:r>
-          </a:p>
-          <a:p>
-            <a:r>
-              <a:rPr lang="en-US" dirty="0" smtClean="0"/>
-              <a:t>Avoid exposing business logic, i.e. if a process requires orchestration across multiple resources, make the process the noun</a:t>
-            </a:r>
-          </a:p>
-          <a:p>
-            <a:r>
-              <a:rPr lang="en-US" dirty="0" smtClean="0"/>
-              <a:t>In Web API, a resource is typically a controller</a:t>
-            </a:r>
-          </a:p>
-        </p:txBody>
-      </p:sp>
-      <p:sp>
-        <p:nvSpPr>
-          <p:cNvPr id="4" name="TextBox 3"/>
-          <p:cNvSpPr txBox="1"/>
-          <p:nvPr/>
-        </p:nvSpPr>
-        <p:spPr>
-          <a:xfrm>
-            <a:off x="9906000" y="-1"/>
-            <a:ext cx="2286000" cy="2031325"/>
-          </a:xfrm>
-          <a:prstGeom prst="rect">
-            <a:avLst/>
-          </a:prstGeom>
-          <a:solidFill>
-            <a:srgbClr val="FFFF00"/>
-          </a:solidFill>
-          <a:ln>
-            <a:noFill/>
-          </a:ln>
-        </p:spPr>
-        <p:txBody>
-          <a:bodyPr wrap="square" rtlCol="0">
-            <a:spAutoFit/>
-          </a:bodyPr>
-          <a:lstStyle/>
-          <a:p>
-            <a:pPr algn="ctr"/>
-            <a:endParaRPr lang="en-US" dirty="0" smtClean="0"/>
-          </a:p>
-          <a:p>
-            <a:pPr algn="ctr"/>
-            <a:endParaRPr lang="en-US" dirty="0"/>
-          </a:p>
-          <a:p>
-            <a:pPr algn="ctr"/>
-            <a:r>
-              <a:rPr lang="en-US" dirty="0" smtClean="0"/>
-              <a:t>Please leave this area blank to allow for picture in picture recording</a:t>
-            </a:r>
-          </a:p>
-          <a:p>
-            <a:pPr algn="ctr"/>
+              <a:t>How to plan the API</a:t>
+            </a:r>
             <a:endParaRPr lang="en-US" dirty="0"/>
           </a:p>
         </p:txBody>
@@ -17058,20 +17155,13 @@
     </p:spTree>
     <p:extLst>
       <p:ext uri="{BB962C8B-B14F-4D97-AF65-F5344CB8AC3E}">
-        <p14:creationId xmlns:p14="http://schemas.microsoft.com/office/powerpoint/2010/main" val="255798916"/>
+        <p14:creationId xmlns:p14="http://schemas.microsoft.com/office/powerpoint/2010/main" val="3078062263"/>
       </p:ext>
     </p:extLst>
   </p:cSld>
   <p:clrMapOvr>
     <a:masterClrMapping/>
   </p:clrMapOvr>
-  <p:timing>
-    <p:tnLst>
-      <p:par>
-        <p:cTn id="1" dur="indefinite" restart="never" nodeType="tmRoot"/>
-      </p:par>
-    </p:tnLst>
-  </p:timing>
 </p:sld>
 </file>
 
@@ -17109,7 +17199,7 @@
           <a:p>
             <a:r>
               <a:rPr lang="en-US" dirty="0" smtClean="0"/>
-              <a:t>Resource Examples (Twitter)</a:t>
+              <a:t>Defining the Resource</a:t>
             </a:r>
             <a:endParaRPr lang="en-US" dirty="0"/>
           </a:p>
@@ -17132,126 +17222,45 @@
           <a:p>
             <a:r>
               <a:rPr lang="en-US" dirty="0" smtClean="0"/>
-              <a:t>Users</a:t>
+              <a:t>Collection or Singleton: /widgets or /widgets/1</a:t>
             </a:r>
           </a:p>
           <a:p>
             <a:r>
               <a:rPr lang="en-US" dirty="0" smtClean="0"/>
-              <a:t>Statuses</a:t>
+              <a:t>Navigation: /widgets/1/things or /widgets/1/things/1</a:t>
             </a:r>
           </a:p>
           <a:p>
-            <a:pPr lvl="1"/>
-            <a:r>
-              <a:rPr lang="en-US" dirty="0" err="1" smtClean="0"/>
-              <a:t>User_timeline</a:t>
-            </a:r>
             <a:r>
               <a:rPr lang="en-US" dirty="0" smtClean="0"/>
-              <a:t> </a:t>
+              <a:t>Nouns</a:t>
             </a:r>
           </a:p>
           <a:p>
-            <a:pPr lvl="1"/>
-            <a:r>
-              <a:rPr lang="en-US" dirty="0" err="1" smtClean="0"/>
-              <a:t>Home_timeline</a:t>
-            </a:r>
-            <a:endParaRPr lang="en-US" dirty="0" smtClean="0"/>
+            <a:r>
+              <a:rPr lang="en-US" dirty="0" smtClean="0"/>
+              <a:t>“Target of a hypertext reference” </a:t>
+            </a:r>
           </a:p>
           <a:p>
-            <a:pPr lvl="1"/>
-            <a:r>
-              <a:rPr lang="en-US" dirty="0" err="1" smtClean="0"/>
-              <a:t>Retweets_of_me</a:t>
-            </a:r>
-            <a:endParaRPr lang="en-US" dirty="0" smtClean="0"/>
+            <a:r>
+              <a:rPr lang="en-US" dirty="0" smtClean="0"/>
+              <a:t>Avoid exposing business logic, i.e. if a process requires orchestration across multiple resources, make the process the noun</a:t>
+            </a:r>
           </a:p>
           <a:p>
-            <a:pPr lvl="1"/>
             <a:r>
               <a:rPr lang="en-US" dirty="0" smtClean="0"/>
-              <a:t>Retweets</a:t>
-            </a:r>
-          </a:p>
-          <a:p>
-            <a:pPr lvl="1"/>
-            <a:r>
-              <a:rPr lang="en-US" dirty="0" err="1" smtClean="0"/>
-              <a:t>Retweeters</a:t>
-            </a:r>
-            <a:endParaRPr lang="en-US" dirty="0" smtClean="0"/>
-          </a:p>
-          <a:p>
-            <a:r>
-              <a:rPr lang="en-US" dirty="0" smtClean="0"/>
-              <a:t>Followers</a:t>
-            </a:r>
-          </a:p>
-          <a:p>
-            <a:r>
-              <a:rPr lang="en-US" dirty="0" smtClean="0"/>
-              <a:t>Trends</a:t>
-            </a:r>
-          </a:p>
-          <a:p>
-            <a:pPr lvl="1"/>
-            <a:endParaRPr lang="en-US" dirty="0" smtClean="0"/>
-          </a:p>
-        </p:txBody>
-      </p:sp>
-      <p:sp>
-        <p:nvSpPr>
-          <p:cNvPr id="4" name="TextBox 3"/>
-          <p:cNvSpPr txBox="1"/>
-          <p:nvPr/>
-        </p:nvSpPr>
-        <p:spPr>
-          <a:xfrm>
-            <a:off x="9906000" y="-1"/>
-            <a:ext cx="2286000" cy="2031325"/>
-          </a:xfrm>
-          <a:prstGeom prst="rect">
-            <a:avLst/>
-          </a:prstGeom>
-          <a:solidFill>
-            <a:srgbClr val="FFFF00"/>
-          </a:solidFill>
-          <a:ln>
-            <a:noFill/>
-          </a:ln>
-        </p:spPr>
-        <p:txBody>
-          <a:bodyPr wrap="square" rtlCol="0">
-            <a:spAutoFit/>
-          </a:bodyPr>
-          <a:lstStyle/>
-          <a:p>
-            <a:pPr algn="ctr"/>
-            <a:endParaRPr lang="en-US" dirty="0" smtClean="0"/>
-          </a:p>
-          <a:p>
-            <a:pPr algn="ctr"/>
-            <a:endParaRPr lang="en-US" dirty="0"/>
-          </a:p>
-          <a:p>
-            <a:pPr algn="ctr"/>
-            <a:r>
-              <a:rPr lang="en-US" dirty="0" smtClean="0"/>
-              <a:t>Please leave this area blank to allow for picture in picture recording</a:t>
-            </a:r>
-          </a:p>
-          <a:p>
-            <a:pPr algn="ctr"/>
-            <a:endParaRPr lang="en-US" dirty="0"/>
+              <a:t>In Web API, a resource is typically a controller</a:t>
+            </a:r>
           </a:p>
         </p:txBody>
       </p:sp>
     </p:spTree>
     <p:extLst>
       <p:ext uri="{BB962C8B-B14F-4D97-AF65-F5344CB8AC3E}">
-        <p14:creationId xmlns:p14="http://schemas.microsoft.com/office/powerpoint/2010/main" val="2504213939"/>
+        <p14:creationId xmlns:p14="http://schemas.microsoft.com/office/powerpoint/2010/main" val="255798916"/>
       </p:ext>
     </p:extLst>
   </p:cSld>
@@ -17302,7 +17311,7 @@
           <a:p>
             <a:r>
               <a:rPr lang="en-US" dirty="0" smtClean="0"/>
-              <a:t>Resource Examples (Azure API Mgmt.)</a:t>
+              <a:t>Resource Examples (Twitter)</a:t>
             </a:r>
             <a:endParaRPr lang="en-US" dirty="0"/>
           </a:p>
@@ -17310,54 +17319,7 @@
       </p:sp>
       <p:sp>
         <p:nvSpPr>
-          <p:cNvPr id="4" name="TextBox 3"/>
-          <p:cNvSpPr txBox="1"/>
-          <p:nvPr/>
-        </p:nvSpPr>
-        <p:spPr>
-          <a:xfrm>
-            <a:off x="9906000" y="-1"/>
-            <a:ext cx="2286000" cy="2031325"/>
-          </a:xfrm>
-          <a:prstGeom prst="rect">
-            <a:avLst/>
-          </a:prstGeom>
-          <a:solidFill>
-            <a:srgbClr val="FFFF00"/>
-          </a:solidFill>
-          <a:ln>
-            <a:noFill/>
-          </a:ln>
-        </p:spPr>
-        <p:txBody>
-          <a:bodyPr wrap="square" rtlCol="0">
-            <a:spAutoFit/>
-          </a:bodyPr>
-          <a:lstStyle/>
-          <a:p>
-            <a:pPr algn="ctr"/>
-            <a:endParaRPr lang="en-US" dirty="0" smtClean="0"/>
-          </a:p>
-          <a:p>
-            <a:pPr algn="ctr"/>
-            <a:endParaRPr lang="en-US" dirty="0"/>
-          </a:p>
-          <a:p>
-            <a:pPr algn="ctr"/>
-            <a:r>
-              <a:rPr lang="en-US" dirty="0" smtClean="0"/>
-              <a:t>Please leave this area blank to allow for picture in picture recording</a:t>
-            </a:r>
-          </a:p>
-          <a:p>
-            <a:pPr algn="ctr"/>
-            <a:endParaRPr lang="en-US" dirty="0"/>
-          </a:p>
-        </p:txBody>
-      </p:sp>
-      <p:sp>
-        <p:nvSpPr>
-          <p:cNvPr id="8" name="Content Placeholder 7"/>
+          <p:cNvPr id="3" name="Content Placeholder 2"/>
           <p:cNvSpPr>
             <a:spLocks noGrp="1"/>
           </p:cNvSpPr>
@@ -17365,99 +17327,78 @@
             <p:ph sz="quarter" idx="10"/>
           </p:nvPr>
         </p:nvSpPr>
-        <p:spPr>
-          <a:xfrm>
-            <a:off x="379413" y="1388226"/>
-            <a:ext cx="11525250" cy="5005486"/>
-          </a:xfrm>
-        </p:spPr>
+        <p:spPr/>
         <p:txBody>
           <a:bodyPr/>
           <a:lstStyle/>
           <a:p>
             <a:r>
               <a:rPr lang="en-US" dirty="0" smtClean="0"/>
-              <a:t>/</a:t>
-            </a:r>
+              <a:t>Users</a:t>
+            </a:r>
+          </a:p>
+          <a:p>
+            <a:r>
+              <a:rPr lang="en-US" dirty="0" smtClean="0"/>
+              <a:t>Statuses</a:t>
+            </a:r>
+          </a:p>
+          <a:p>
+            <a:pPr lvl="1"/>
             <a:r>
               <a:rPr lang="en-US" dirty="0" err="1" smtClean="0"/>
-              <a:t>apis</a:t>
+              <a:t>User_timeline</a:t>
+            </a:r>
+            <a:r>
+              <a:rPr lang="en-US" dirty="0" smtClean="0"/>
+              <a:t> </a:t>
+            </a:r>
+          </a:p>
+          <a:p>
+            <a:pPr lvl="1"/>
+            <a:r>
+              <a:rPr lang="en-US" dirty="0" err="1" smtClean="0"/>
+              <a:t>Home_timeline</a:t>
             </a:r>
             <a:endParaRPr lang="en-US" dirty="0" smtClean="0"/>
           </a:p>
           <a:p>
             <a:pPr lvl="1"/>
             <a:r>
-              <a:rPr lang="en-US" dirty="0" smtClean="0"/>
-              <a:t>/</a:t>
-            </a:r>
-            <a:r>
               <a:rPr lang="en-US" dirty="0" err="1" smtClean="0"/>
-              <a:t>apis</a:t>
-            </a:r>
-            <a:r>
-              <a:rPr lang="en-US" dirty="0" smtClean="0"/>
-              <a:t>/1/operation</a:t>
-            </a:r>
+              <a:t>Retweets_of_me</a:t>
+            </a:r>
+            <a:endParaRPr lang="en-US" dirty="0" smtClean="0"/>
           </a:p>
           <a:p>
             <a:pPr lvl="1"/>
             <a:r>
               <a:rPr lang="en-US" dirty="0" smtClean="0"/>
-              <a:t>/</a:t>
-            </a:r>
-            <a:r>
-              <a:rPr lang="en-US" dirty="0" err="1" smtClean="0"/>
-              <a:t>apis</a:t>
-            </a:r>
-            <a:r>
-              <a:rPr lang="en-US" dirty="0" smtClean="0"/>
-              <a:t>/1/policy</a:t>
+              <a:t>Retweets</a:t>
             </a:r>
           </a:p>
           <a:p>
-            <a:r>
-              <a:rPr lang="en-US" dirty="0" smtClean="0"/>
-              <a:t>/</a:t>
-            </a:r>
+            <a:pPr lvl="1"/>
             <a:r>
               <a:rPr lang="en-US" dirty="0" err="1" smtClean="0"/>
-              <a:t>authorizationServers</a:t>
+              <a:t>Retweeters</a:t>
             </a:r>
             <a:endParaRPr lang="en-US" dirty="0" smtClean="0"/>
           </a:p>
           <a:p>
             <a:r>
               <a:rPr lang="en-US" dirty="0" smtClean="0"/>
-              <a:t>/certificates</a:t>
+              <a:t>Followers</a:t>
             </a:r>
           </a:p>
           <a:p>
             <a:r>
               <a:rPr lang="en-US" dirty="0" smtClean="0"/>
-              <a:t>/products</a:t>
-            </a:r>
-          </a:p>
-          <a:p>
-            <a:r>
-              <a:rPr lang="en-US" dirty="0" smtClean="0"/>
-              <a:t>/users</a:t>
+              <a:t>Trends</a:t>
             </a:r>
           </a:p>
           <a:p>
             <a:pPr lvl="1"/>
-            <a:r>
-              <a:rPr lang="en-US" dirty="0" smtClean="0"/>
-              <a:t>/users/1/subscriptions</a:t>
-            </a:r>
-          </a:p>
-          <a:p>
-            <a:r>
-              <a:rPr lang="en-US" dirty="0" smtClean="0"/>
-              <a:t>Etc.</a:t>
-            </a:r>
-          </a:p>
-          <a:p>
             <a:endParaRPr lang="en-US" dirty="0" smtClean="0"/>
           </a:p>
         </p:txBody>
@@ -17465,7 +17406,7 @@
     </p:spTree>
     <p:extLst>
       <p:ext uri="{BB962C8B-B14F-4D97-AF65-F5344CB8AC3E}">
-        <p14:creationId xmlns:p14="http://schemas.microsoft.com/office/powerpoint/2010/main" val="1961092847"/>
+        <p14:creationId xmlns:p14="http://schemas.microsoft.com/office/powerpoint/2010/main" val="2504213939"/>
       </p:ext>
     </p:extLst>
   </p:cSld>
@@ -17516,7 +17457,7 @@
           <a:p>
             <a:r>
               <a:rPr lang="en-US" dirty="0" smtClean="0"/>
-              <a:t>Verbs and Web API</a:t>
+              <a:t>Resource Examples (Azure API Mgmt.)</a:t>
             </a:r>
             <a:endParaRPr lang="en-US" dirty="0"/>
           </a:p>
@@ -17524,7 +17465,7 @@
       </p:sp>
       <p:sp>
         <p:nvSpPr>
-          <p:cNvPr id="3" name="Content Placeholder 2"/>
+          <p:cNvPr id="8" name="Content Placeholder 7"/>
           <p:cNvSpPr>
             <a:spLocks noGrp="1"/>
           </p:cNvSpPr>
@@ -17532,99 +17473,107 @@
             <p:ph sz="quarter" idx="10"/>
           </p:nvPr>
         </p:nvSpPr>
-        <p:spPr/>
+        <p:spPr>
+          <a:xfrm>
+            <a:off x="379413" y="1388226"/>
+            <a:ext cx="11525250" cy="5005486"/>
+          </a:xfrm>
+        </p:spPr>
         <p:txBody>
           <a:bodyPr/>
           <a:lstStyle/>
           <a:p>
             <a:r>
               <a:rPr lang="en-US" dirty="0" smtClean="0"/>
-              <a:t>GET – “read”</a:t>
-            </a:r>
-          </a:p>
-          <a:p>
-            <a:r>
-              <a:rPr lang="en-US" dirty="0" smtClean="0"/>
-              <a:t>POST – “insert” (collection) </a:t>
-            </a:r>
-          </a:p>
-          <a:p>
-            <a:r>
-              <a:rPr lang="en-US" dirty="0" smtClean="0"/>
-              <a:t>PUT – “replace” </a:t>
-            </a:r>
-          </a:p>
-          <a:p>
-            <a:r>
-              <a:rPr lang="en-US" dirty="0" smtClean="0"/>
-              <a:t>DELETE – “remove” </a:t>
-            </a:r>
-          </a:p>
-          <a:p>
-            <a:r>
-              <a:rPr lang="en-US" dirty="0" smtClean="0"/>
-              <a:t>PATCH – “update” </a:t>
-            </a:r>
-          </a:p>
-          <a:p>
-            <a:r>
-              <a:rPr lang="en-US" dirty="0" smtClean="0"/>
-              <a:t>Custom (proceed with caution)</a:t>
-            </a:r>
-          </a:p>
-        </p:txBody>
-      </p:sp>
-      <p:sp>
-        <p:nvSpPr>
-          <p:cNvPr id="4" name="TextBox 3"/>
-          <p:cNvSpPr txBox="1"/>
-          <p:nvPr/>
-        </p:nvSpPr>
-        <p:spPr>
-          <a:xfrm>
-            <a:off x="9906000" y="-1"/>
-            <a:ext cx="2286000" cy="2031325"/>
-          </a:xfrm>
-          <a:prstGeom prst="rect">
-            <a:avLst/>
-          </a:prstGeom>
-          <a:solidFill>
-            <a:srgbClr val="FFFF00"/>
-          </a:solidFill>
-          <a:ln>
-            <a:noFill/>
-          </a:ln>
-        </p:spPr>
-        <p:txBody>
-          <a:bodyPr wrap="square" rtlCol="0">
-            <a:spAutoFit/>
-          </a:bodyPr>
-          <a:lstStyle/>
-          <a:p>
-            <a:pPr algn="ctr"/>
+              <a:t>/</a:t>
+            </a:r>
+            <a:r>
+              <a:rPr lang="en-US" dirty="0" err="1" smtClean="0"/>
+              <a:t>apis</a:t>
+            </a:r>
             <a:endParaRPr lang="en-US" dirty="0" smtClean="0"/>
           </a:p>
           <a:p>
-            <a:pPr algn="ctr"/>
-            <a:endParaRPr lang="en-US" dirty="0"/>
+            <a:pPr lvl="1"/>
+            <a:r>
+              <a:rPr lang="en-US" dirty="0" smtClean="0"/>
+              <a:t>/</a:t>
+            </a:r>
+            <a:r>
+              <a:rPr lang="en-US" dirty="0" err="1" smtClean="0"/>
+              <a:t>apis</a:t>
+            </a:r>
+            <a:r>
+              <a:rPr lang="en-US" dirty="0" smtClean="0"/>
+              <a:t>/1/operation</a:t>
+            </a:r>
           </a:p>
           <a:p>
-            <a:pPr algn="ctr"/>
+            <a:pPr lvl="1"/>
             <a:r>
               <a:rPr lang="en-US" dirty="0" smtClean="0"/>
-              <a:t>Please leave this area blank to allow for picture in picture recording</a:t>
+              <a:t>/</a:t>
+            </a:r>
+            <a:r>
+              <a:rPr lang="en-US" dirty="0" err="1" smtClean="0"/>
+              <a:t>apis</a:t>
+            </a:r>
+            <a:r>
+              <a:rPr lang="en-US" dirty="0" smtClean="0"/>
+              <a:t>/1/policy</a:t>
             </a:r>
           </a:p>
           <a:p>
-            <a:pPr algn="ctr"/>
-            <a:endParaRPr lang="en-US" dirty="0"/>
+            <a:r>
+              <a:rPr lang="en-US" dirty="0" smtClean="0"/>
+              <a:t>/</a:t>
+            </a:r>
+            <a:r>
+              <a:rPr lang="en-US" dirty="0" err="1" smtClean="0"/>
+              <a:t>authorizationServers</a:t>
+            </a:r>
+            <a:endParaRPr lang="en-US" dirty="0" smtClean="0"/>
+          </a:p>
+          <a:p>
+            <a:r>
+              <a:rPr lang="en-US" dirty="0" smtClean="0"/>
+              <a:t>/certificates</a:t>
+            </a:r>
+          </a:p>
+          <a:p>
+            <a:r>
+              <a:rPr lang="en-US" dirty="0" smtClean="0"/>
+              <a:t>/products</a:t>
+            </a:r>
+          </a:p>
+          <a:p>
+            <a:r>
+              <a:rPr lang="en-US" dirty="0" smtClean="0"/>
+              <a:t>/users</a:t>
+            </a:r>
+          </a:p>
+          <a:p>
+            <a:pPr lvl="1"/>
+            <a:r>
+              <a:rPr lang="en-US" dirty="0" smtClean="0"/>
+              <a:t>/users/1/subscriptions</a:t>
+            </a:r>
+          </a:p>
+          <a:p>
+            <a:r>
+              <a:rPr lang="en-US" dirty="0" smtClean="0"/>
+              <a:t>Etc.</a:t>
+            </a:r>
+          </a:p>
+          <a:p>
+            <a:endParaRPr lang="en-US" dirty="0" smtClean="0"/>
           </a:p>
         </p:txBody>
       </p:sp>
     </p:spTree>
     <p:extLst>
       <p:ext uri="{BB962C8B-B14F-4D97-AF65-F5344CB8AC3E}">
-        <p14:creationId xmlns:p14="http://schemas.microsoft.com/office/powerpoint/2010/main" val="2047590724"/>
+        <p14:creationId xmlns:p14="http://schemas.microsoft.com/office/powerpoint/2010/main" val="1961092847"/>
       </p:ext>
     </p:extLst>
   </p:cSld>
@@ -17660,12 +17609,12 @@
       </p:grpSpPr>
       <p:sp>
         <p:nvSpPr>
-          <p:cNvPr id="2" name="Title 1"/>
+          <p:cNvPr id="5" name="Text Placeholder 4"/>
           <p:cNvSpPr>
             <a:spLocks noGrp="1"/>
           </p:cNvSpPr>
           <p:nvPr>
-            <p:ph type="title"/>
+            <p:ph type="body" sz="quarter" idx="10"/>
           </p:nvPr>
         </p:nvSpPr>
         <p:spPr/>
@@ -17675,7 +17624,7 @@
           <a:p>
             <a:r>
               <a:rPr lang="en-US" dirty="0" smtClean="0"/>
-              <a:t>Practical example: Account Transfer</a:t>
+              <a:t>Verbs</a:t>
             </a:r>
             <a:endParaRPr lang="en-US" dirty="0"/>
           </a:p>
@@ -17683,12 +17632,12 @@
       </p:sp>
       <p:sp>
         <p:nvSpPr>
-          <p:cNvPr id="3" name="Content Placeholder 2"/>
+          <p:cNvPr id="4" name="Subtitle 3"/>
           <p:cNvSpPr>
             <a:spLocks noGrp="1"/>
           </p:cNvSpPr>
           <p:nvPr>
-            <p:ph sz="quarter" idx="10"/>
+            <p:ph type="subTitle" idx="1"/>
           </p:nvPr>
         </p:nvSpPr>
         <p:spPr/>
@@ -17698,151 +17647,22 @@
           <a:p>
             <a:r>
               <a:rPr lang="en-US" dirty="0" smtClean="0"/>
-              <a:t>/accounts</a:t>
-            </a:r>
-          </a:p>
-          <a:p>
-            <a:r>
-              <a:rPr lang="en-US" dirty="0" smtClean="0"/>
-              <a:t>How do I transfer $5 from /accounts/1 to /accounts/2? </a:t>
-            </a:r>
-            <a:endParaRPr lang="en-US" dirty="0"/>
-          </a:p>
-          <a:p>
-            <a:r>
-              <a:rPr lang="en-US" dirty="0" smtClean="0"/>
-              <a:t>Attempt #1:</a:t>
-            </a:r>
-          </a:p>
-          <a:p>
-            <a:pPr lvl="1"/>
-            <a:r>
-              <a:rPr lang="en-US" dirty="0" smtClean="0"/>
-              <a:t>Deduct $5 by PUT /accounts/1 </a:t>
-            </a:r>
-          </a:p>
-          <a:p>
-            <a:pPr lvl="1"/>
-            <a:r>
-              <a:rPr lang="en-US" dirty="0" smtClean="0"/>
-              <a:t>Add $5 by PUT /accounts/2 </a:t>
-            </a:r>
-          </a:p>
-          <a:p>
-            <a:r>
-              <a:rPr lang="en-US" dirty="0" smtClean="0"/>
-              <a:t>Problems:</a:t>
-            </a:r>
-          </a:p>
-          <a:p>
-            <a:pPr lvl="1"/>
-            <a:r>
-              <a:rPr lang="en-US" dirty="0" smtClean="0"/>
-              <a:t>Too much business knowledge </a:t>
-            </a:r>
-          </a:p>
-          <a:p>
-            <a:pPr lvl="1"/>
-            <a:r>
-              <a:rPr lang="en-US" dirty="0" smtClean="0"/>
-              <a:t>No transfer id to map back to</a:t>
-            </a:r>
-          </a:p>
-          <a:p>
-            <a:pPr lvl="1"/>
-            <a:r>
-              <a:rPr lang="en-US" dirty="0" smtClean="0"/>
-              <a:t>Lack of transaction – what happens if it breaks after the deduction?</a:t>
-            </a:r>
-          </a:p>
-        </p:txBody>
-      </p:sp>
-      <p:sp>
-        <p:nvSpPr>
-          <p:cNvPr id="4" name="TextBox 3"/>
-          <p:cNvSpPr txBox="1"/>
-          <p:nvPr/>
-        </p:nvSpPr>
-        <p:spPr>
-          <a:xfrm>
-            <a:off x="9906000" y="-1"/>
-            <a:ext cx="2286000" cy="2031325"/>
-          </a:xfrm>
-          <a:prstGeom prst="rect">
-            <a:avLst/>
-          </a:prstGeom>
-          <a:solidFill>
-            <a:srgbClr val="FFFF00"/>
-          </a:solidFill>
-          <a:ln>
-            <a:noFill/>
-          </a:ln>
-        </p:spPr>
-        <p:txBody>
-          <a:bodyPr wrap="square" rtlCol="0">
-            <a:spAutoFit/>
-          </a:bodyPr>
-          <a:lstStyle/>
-          <a:p>
-            <a:pPr algn="ctr"/>
-            <a:endParaRPr lang="en-US" dirty="0" smtClean="0"/>
-          </a:p>
-          <a:p>
-            <a:pPr algn="ctr"/>
-            <a:endParaRPr lang="en-US" dirty="0"/>
-          </a:p>
-          <a:p>
-            <a:pPr algn="ctr"/>
-            <a:r>
-              <a:rPr lang="en-US" dirty="0" smtClean="0"/>
-              <a:t>Please leave this area blank to allow for picture in picture recording</a:t>
-            </a:r>
-          </a:p>
-          <a:p>
-            <a:pPr algn="ctr"/>
+              <a:t>How to plan actions in your API</a:t>
+            </a:r>
             <a:endParaRPr lang="en-US" dirty="0"/>
           </a:p>
         </p:txBody>
       </p:sp>
-      <p:graphicFrame>
-        <p:nvGraphicFramePr>
-          <p:cNvPr id="5" name="Diagram 4"/>
-          <p:cNvGraphicFramePr/>
-          <p:nvPr>
-            <p:extLst>
-              <p:ext uri="{D42A27DB-BD31-4B8C-83A1-F6EECF244321}">
-                <p14:modId xmlns:p14="http://schemas.microsoft.com/office/powerpoint/2010/main" val="2274278845"/>
-              </p:ext>
-            </p:extLst>
-          </p:nvPr>
-        </p:nvGraphicFramePr>
-        <p:xfrm>
-          <a:off x="6209414" y="2764466"/>
-          <a:ext cx="5155609" cy="2849328"/>
-        </p:xfrm>
-        <a:graphic>
-          <a:graphicData uri="http://schemas.openxmlformats.org/drawingml/2006/diagram">
-            <dgm:relIds xmlns:dgm="http://schemas.openxmlformats.org/drawingml/2006/diagram" xmlns:r="http://schemas.openxmlformats.org/officeDocument/2006/relationships" r:dm="rId2" r:lo="rId3" r:qs="rId4" r:cs="rId5"/>
-          </a:graphicData>
-        </a:graphic>
-      </p:graphicFrame>
     </p:spTree>
     <p:extLst>
       <p:ext uri="{BB962C8B-B14F-4D97-AF65-F5344CB8AC3E}">
-        <p14:creationId xmlns:p14="http://schemas.microsoft.com/office/powerpoint/2010/main" val="2544139816"/>
+        <p14:creationId xmlns:p14="http://schemas.microsoft.com/office/powerpoint/2010/main" val="3076576560"/>
       </p:ext>
     </p:extLst>
   </p:cSld>
   <p:clrMapOvr>
     <a:masterClrMapping/>
   </p:clrMapOvr>
-  <p:timing>
-    <p:tnLst>
-      <p:par>
-        <p:cTn id="1" dur="indefinite" restart="never" nodeType="tmRoot"/>
-      </p:par>
-    </p:tnLst>
-  </p:timing>
 </p:sld>
 </file>
 
@@ -17880,7 +17700,7 @@
           <a:p>
             <a:r>
               <a:rPr lang="en-US" dirty="0" smtClean="0"/>
-              <a:t>Practical example: Account Transfer</a:t>
+              <a:t>Verbs and Web API</a:t>
             </a:r>
             <a:endParaRPr lang="en-US" dirty="0"/>
           </a:p>
@@ -17903,140 +17723,45 @@
           <a:p>
             <a:r>
               <a:rPr lang="en-US" dirty="0" smtClean="0"/>
-              <a:t>Attempt #2 </a:t>
+              <a:t>GET – “read”</a:t>
             </a:r>
           </a:p>
           <a:p>
-            <a:pPr lvl="1"/>
             <a:r>
               <a:rPr lang="en-US" dirty="0" smtClean="0"/>
-              <a:t>Create a transaction under account</a:t>
+              <a:t>POST – “insert” (collection) </a:t>
             </a:r>
           </a:p>
           <a:p>
-            <a:pPr lvl="1"/>
             <a:r>
               <a:rPr lang="en-US" dirty="0" smtClean="0"/>
-              <a:t>POST /accounts/1/transfers { amount: 5, </a:t>
-            </a:r>
-            <a:r>
-              <a:rPr lang="en-US" dirty="0" err="1" smtClean="0"/>
-              <a:t>targetAccount</a:t>
-            </a:r>
-            <a:r>
-              <a:rPr lang="en-US" dirty="0" smtClean="0"/>
-              <a:t>: 2 }</a:t>
+              <a:t>PUT – “replace” </a:t>
             </a:r>
           </a:p>
           <a:p>
-            <a:pPr lvl="1"/>
             <a:r>
               <a:rPr lang="en-US" dirty="0" smtClean="0"/>
-              <a:t>Query /accounts/1/transfers/1 </a:t>
+              <a:t>DELETE – “remove” </a:t>
             </a:r>
           </a:p>
           <a:p>
             <a:r>
               <a:rPr lang="en-US" dirty="0" smtClean="0"/>
-              <a:t>Better!</a:t>
+              <a:t>PATCH – “update” </a:t>
             </a:r>
           </a:p>
           <a:p>
-            <a:pPr lvl="1"/>
             <a:r>
               <a:rPr lang="en-US" dirty="0" smtClean="0"/>
-              <a:t>Does /accounts/1 “own” the transaction? </a:t>
-            </a:r>
-          </a:p>
-          <a:p>
-            <a:pPr lvl="1"/>
-            <a:r>
-              <a:rPr lang="en-US" dirty="0" smtClean="0"/>
-              <a:t>Is it evident that /accounts/2 is impacted?</a:t>
-            </a:r>
-          </a:p>
-          <a:p>
-            <a:pPr lvl="1"/>
-            <a:r>
-              <a:rPr lang="en-US" dirty="0" smtClean="0"/>
-              <a:t>What if you are navigating /accounts/2 … how do you know a transaction happened? </a:t>
+              <a:t>Custom (proceed with caution)</a:t>
             </a:r>
           </a:p>
         </p:txBody>
       </p:sp>
-      <p:sp>
-        <p:nvSpPr>
-          <p:cNvPr id="4" name="TextBox 3"/>
-          <p:cNvSpPr txBox="1"/>
-          <p:nvPr/>
-        </p:nvSpPr>
-        <p:spPr>
-          <a:xfrm>
-            <a:off x="9906000" y="-1"/>
-            <a:ext cx="2286000" cy="2031325"/>
-          </a:xfrm>
-          <a:prstGeom prst="rect">
-            <a:avLst/>
-          </a:prstGeom>
-          <a:solidFill>
-            <a:srgbClr val="FFFF00"/>
-          </a:solidFill>
-          <a:ln>
-            <a:noFill/>
-          </a:ln>
-        </p:spPr>
-        <p:txBody>
-          <a:bodyPr wrap="square" rtlCol="0">
-            <a:spAutoFit/>
-          </a:bodyPr>
-          <a:lstStyle/>
-          <a:p>
-            <a:pPr algn="ctr"/>
-            <a:endParaRPr lang="en-US" dirty="0" smtClean="0"/>
-          </a:p>
-          <a:p>
-            <a:pPr algn="ctr"/>
-            <a:endParaRPr lang="en-US" dirty="0"/>
-          </a:p>
-          <a:p>
-            <a:pPr algn="ctr"/>
-            <a:r>
-              <a:rPr lang="en-US" dirty="0" smtClean="0"/>
-              <a:t>Please leave this area blank to allow for picture in picture recording</a:t>
-            </a:r>
-          </a:p>
-          <a:p>
-            <a:pPr algn="ctr"/>
-            <a:endParaRPr lang="en-US" dirty="0"/>
-          </a:p>
-        </p:txBody>
-      </p:sp>
-      <p:graphicFrame>
-        <p:nvGraphicFramePr>
-          <p:cNvPr id="5" name="Diagram 4"/>
-          <p:cNvGraphicFramePr/>
-          <p:nvPr>
-            <p:extLst>
-              <p:ext uri="{D42A27DB-BD31-4B8C-83A1-F6EECF244321}">
-                <p14:modId xmlns:p14="http://schemas.microsoft.com/office/powerpoint/2010/main" val="858922841"/>
-              </p:ext>
-            </p:extLst>
-          </p:nvPr>
-        </p:nvGraphicFramePr>
-        <p:xfrm>
-          <a:off x="7699829" y="2525486"/>
-          <a:ext cx="4668368" cy="2556679"/>
-        </p:xfrm>
-        <a:graphic>
-          <a:graphicData uri="http://schemas.openxmlformats.org/drawingml/2006/diagram">
-            <dgm:relIds xmlns:dgm="http://schemas.openxmlformats.org/drawingml/2006/diagram" xmlns:r="http://schemas.openxmlformats.org/officeDocument/2006/relationships" r:dm="rId2" r:lo="rId3" r:qs="rId4" r:cs="rId5"/>
-          </a:graphicData>
-        </a:graphic>
-      </p:graphicFrame>
     </p:spTree>
     <p:extLst>
       <p:ext uri="{BB962C8B-B14F-4D97-AF65-F5344CB8AC3E}">
-        <p14:creationId xmlns:p14="http://schemas.microsoft.com/office/powerpoint/2010/main" val="2247386479"/>
+        <p14:creationId xmlns:p14="http://schemas.microsoft.com/office/powerpoint/2010/main" val="2047590724"/>
       </p:ext>
     </p:extLst>
   </p:cSld>
@@ -18110,157 +17835,80 @@
           <a:p>
             <a:r>
               <a:rPr lang="en-US" dirty="0" smtClean="0"/>
-              <a:t>Suggestion</a:t>
+              <a:t>/accounts</a:t>
+            </a:r>
+          </a:p>
+          <a:p>
+            <a:r>
+              <a:rPr lang="en-US" dirty="0" smtClean="0"/>
+              <a:t>How do I transfer $5 from /accounts/1 to /accounts/2? </a:t>
+            </a:r>
+            <a:endParaRPr lang="en-US" dirty="0"/>
+          </a:p>
+          <a:p>
+            <a:r>
+              <a:rPr lang="en-US" dirty="0" smtClean="0"/>
+              <a:t>Attempt #1:</a:t>
             </a:r>
           </a:p>
           <a:p>
             <a:pPr lvl="1"/>
             <a:r>
               <a:rPr lang="en-US" dirty="0" smtClean="0"/>
-              <a:t>The “noun” is the transaction </a:t>
+              <a:t>Deduct $5 by PUT /accounts/1 </a:t>
             </a:r>
           </a:p>
           <a:p>
             <a:pPr lvl="1"/>
             <a:r>
               <a:rPr lang="en-US" dirty="0" smtClean="0"/>
-              <a:t>POST /transactions { </a:t>
-            </a:r>
-            <a:r>
-              <a:rPr lang="en-US" dirty="0" err="1" smtClean="0"/>
-              <a:t>src</a:t>
-            </a:r>
+              <a:t>Add $5 by PUT /accounts/2 </a:t>
+            </a:r>
+          </a:p>
+          <a:p>
             <a:r>
               <a:rPr lang="en-US" dirty="0" smtClean="0"/>
-              <a:t>: 1, amount: 5, </a:t>
-            </a:r>
-            <a:r>
-              <a:rPr lang="en-US" dirty="0" err="1" smtClean="0"/>
-              <a:t>tgt</a:t>
-            </a:r>
-            <a:r>
-              <a:rPr lang="en-US" dirty="0" smtClean="0"/>
-              <a:t>: 2 }</a:t>
+              <a:t>Problems:</a:t>
             </a:r>
           </a:p>
           <a:p>
             <a:pPr lvl="1"/>
             <a:r>
               <a:rPr lang="en-US" dirty="0" smtClean="0"/>
-              <a:t>Query /transactions/</a:t>
-            </a:r>
-            <a:r>
-              <a:rPr lang="en-US" dirty="0" err="1" smtClean="0"/>
-              <a:t>srcAccount</a:t>
-            </a:r>
-            <a:r>
-              <a:rPr lang="en-US" dirty="0" smtClean="0"/>
-              <a:t> or transactions/</a:t>
-            </a:r>
-            <a:r>
-              <a:rPr lang="en-US" dirty="0" err="1" smtClean="0"/>
-              <a:t>tgtAccount</a:t>
-            </a:r>
-            <a:endParaRPr lang="en-US" dirty="0" smtClean="0"/>
+              <a:t>Too much business knowledge </a:t>
+            </a:r>
           </a:p>
           <a:p>
             <a:pPr lvl="1"/>
             <a:r>
               <a:rPr lang="en-US" dirty="0" smtClean="0"/>
-              <a:t>(reference back up to /accounts/1 and /accounts/2)</a:t>
+              <a:t>No transfer id to map back to</a:t>
             </a:r>
           </a:p>
           <a:p>
             <a:pPr lvl="1"/>
             <a:r>
               <a:rPr lang="en-US" dirty="0" smtClean="0"/>
-              <a:t>Clear spot to navigate from and models that the accounts</a:t>
-            </a:r>
-            <a:br>
-              <a:rPr lang="en-US" dirty="0" smtClean="0"/>
-            </a:br>
-            <a:r>
-              <a:rPr lang="en-US" dirty="0" smtClean="0"/>
-              <a:t>are “participants” in the transaction</a:t>
-            </a:r>
-          </a:p>
-          <a:p>
-            <a:r>
-              <a:rPr lang="en-US" dirty="0" smtClean="0"/>
-              <a:t>Guess what …</a:t>
-            </a:r>
-          </a:p>
-          <a:p>
-            <a:pPr lvl="1"/>
-            <a:r>
-              <a:rPr lang="en-US" dirty="0" smtClean="0"/>
-              <a:t>There is no “right” or “perfect” way</a:t>
-            </a:r>
-          </a:p>
-        </p:txBody>
-      </p:sp>
-      <p:sp>
-        <p:nvSpPr>
-          <p:cNvPr id="4" name="TextBox 3"/>
-          <p:cNvSpPr txBox="1"/>
-          <p:nvPr/>
-        </p:nvSpPr>
-        <p:spPr>
-          <a:xfrm>
-            <a:off x="9906000" y="-1"/>
-            <a:ext cx="2286000" cy="2031325"/>
-          </a:xfrm>
-          <a:prstGeom prst="rect">
-            <a:avLst/>
-          </a:prstGeom>
-          <a:solidFill>
-            <a:srgbClr val="FFFF00"/>
-          </a:solidFill>
-          <a:ln>
-            <a:noFill/>
-          </a:ln>
-        </p:spPr>
-        <p:txBody>
-          <a:bodyPr wrap="square" rtlCol="0">
-            <a:spAutoFit/>
-          </a:bodyPr>
-          <a:lstStyle/>
-          <a:p>
-            <a:pPr algn="ctr"/>
-            <a:endParaRPr lang="en-US" dirty="0" smtClean="0"/>
-          </a:p>
-          <a:p>
-            <a:pPr algn="ctr"/>
-            <a:endParaRPr lang="en-US" dirty="0"/>
-          </a:p>
-          <a:p>
-            <a:pPr algn="ctr"/>
-            <a:r>
-              <a:rPr lang="en-US" dirty="0" smtClean="0"/>
-              <a:t>Please leave this area blank to allow for picture in picture recording</a:t>
-            </a:r>
-          </a:p>
-          <a:p>
-            <a:pPr algn="ctr"/>
-            <a:endParaRPr lang="en-US" dirty="0"/>
+              <a:t>Lack of transaction – what happens if it breaks after the deduction?</a:t>
+            </a:r>
           </a:p>
         </p:txBody>
       </p:sp>
       <p:graphicFrame>
         <p:nvGraphicFramePr>
-          <p:cNvPr id="6" name="Diagram 5"/>
+          <p:cNvPr id="5" name="Diagram 4"/>
           <p:cNvGraphicFramePr/>
           <p:nvPr>
             <p:extLst>
               <p:ext uri="{D42A27DB-BD31-4B8C-83A1-F6EECF244321}">
-                <p14:modId xmlns:p14="http://schemas.microsoft.com/office/powerpoint/2010/main" val="171839412"/>
+                <p14:modId xmlns:p14="http://schemas.microsoft.com/office/powerpoint/2010/main" val="2274278845"/>
               </p:ext>
             </p:extLst>
           </p:nvPr>
         </p:nvGraphicFramePr>
         <p:xfrm>
-          <a:off x="7068459" y="4027706"/>
-          <a:ext cx="4668368" cy="2556679"/>
+          <a:off x="6209414" y="2764466"/>
+          <a:ext cx="5155609" cy="2849328"/>
         </p:xfrm>
         <a:graphic>
           <a:graphicData uri="http://schemas.openxmlformats.org/drawingml/2006/diagram">
@@ -18271,7 +17919,7 @@
     </p:spTree>
     <p:extLst>
       <p:ext uri="{BB962C8B-B14F-4D97-AF65-F5344CB8AC3E}">
-        <p14:creationId xmlns:p14="http://schemas.microsoft.com/office/powerpoint/2010/main" val="3116406664"/>
+        <p14:creationId xmlns:p14="http://schemas.microsoft.com/office/powerpoint/2010/main" val="2544139816"/>
       </p:ext>
     </p:extLst>
   </p:cSld>
@@ -19096,28 +18744,6 @@
 </file>
 
 <file path=customXml/item1.xml><?xml version="1.0" encoding="utf-8"?>
-<?mso-contentType ?>
-<FormTemplates xmlns="http://schemas.microsoft.com/sharepoint/v3/contenttype/forms">
-  <Display>DocumentLibraryForm</Display>
-  <Edit>DocumentLibraryForm</Edit>
-  <New>DocumentLibraryForm</New>
-</FormTemplates>
-</file>
-
-<file path=customXml/item2.xml><?xml version="1.0" encoding="utf-8"?>
-<p:properties xmlns:p="http://schemas.microsoft.com/office/2006/metadata/properties" xmlns:xsi="http://www.w3.org/2001/XMLSchema-instance" xmlns:pc="http://schemas.microsoft.com/office/infopath/2007/PartnerControls">
-  <documentManagement>
-    <TaxCatchAll xmlns="230e9df3-be65-4c73-a93b-d1236ebd677e"/>
-    <PublishingExpirationDate xmlns="http://schemas.microsoft.com/sharepoint/v3" xsi:nil="true"/>
-    <PublishingStartDate xmlns="http://schemas.microsoft.com/sharepoint/v3" xsi:nil="true"/>
-    <TaxKeywordTaxHTField xmlns="230e9df3-be65-4c73-a93b-d1236ebd677e">
-      <Terms xmlns="http://schemas.microsoft.com/office/infopath/2007/PartnerControls"/>
-    </TaxKeywordTaxHTField>
-  </documentManagement>
-</p:properties>
-</file>
-
-<file path=customXml/item3.xml><?xml version="1.0" encoding="utf-8"?>
 <ct:contentTypeSchema xmlns:ct="http://schemas.microsoft.com/office/2006/metadata/contentType" xmlns:ma="http://schemas.microsoft.com/office/2006/metadata/properties/metaAttributes" ct:_="" ma:_="" ma:contentTypeName="Document" ma:contentTypeID="0x010100496889825850D44592AC5D2F43187AE4" ma:contentTypeVersion="5" ma:contentTypeDescription="Create a new document." ma:contentTypeScope="" ma:versionID="fde90edb5a63ba841bca516fd2abaf95">
   <xsd:schema xmlns:xsd="http://www.w3.org/2001/XMLSchema" xmlns:xs="http://www.w3.org/2001/XMLSchema" xmlns:p="http://schemas.microsoft.com/office/2006/metadata/properties" xmlns:ns1="http://schemas.microsoft.com/sharepoint/v3" xmlns:ns2="230e9df3-be65-4c73-a93b-d1236ebd677e" xmlns:ns3="27aa9422-7f1f-4c84-9cdf-302b1a67e513" targetNamespace="http://schemas.microsoft.com/office/2006/metadata/properties" ma:root="true" ma:fieldsID="5e7808ae941cc340dbe51a3031959734" ns1:_="" ns2:_="" ns3:_="">
     <xsd:import namespace="http://schemas.microsoft.com/sharepoint/v3"/>
@@ -19299,10 +18925,44 @@
 </ct:contentTypeSchema>
 </file>
 
+<file path=customXml/item2.xml><?xml version="1.0" encoding="utf-8"?>
+<p:properties xmlns:p="http://schemas.microsoft.com/office/2006/metadata/properties" xmlns:xsi="http://www.w3.org/2001/XMLSchema-instance" xmlns:pc="http://schemas.microsoft.com/office/infopath/2007/PartnerControls">
+  <documentManagement>
+    <TaxCatchAll xmlns="230e9df3-be65-4c73-a93b-d1236ebd677e"/>
+    <PublishingExpirationDate xmlns="http://schemas.microsoft.com/sharepoint/v3" xsi:nil="true"/>
+    <PublishingStartDate xmlns="http://schemas.microsoft.com/sharepoint/v3" xsi:nil="true"/>
+    <TaxKeywordTaxHTField xmlns="230e9df3-be65-4c73-a93b-d1236ebd677e">
+      <Terms xmlns="http://schemas.microsoft.com/office/infopath/2007/PartnerControls"/>
+    </TaxKeywordTaxHTField>
+  </documentManagement>
+</p:properties>
+</file>
+
+<file path=customXml/item3.xml><?xml version="1.0" encoding="utf-8"?>
+<?mso-contentType ?>
+<FormTemplates xmlns="http://schemas.microsoft.com/sharepoint/v3/contenttype/forms">
+  <Display>DocumentLibraryForm</Display>
+  <Edit>DocumentLibraryForm</Edit>
+  <New>DocumentLibraryForm</New>
+</FormTemplates>
+</file>
+
 <file path=customXml/itemProps1.xml><?xml version="1.0" encoding="utf-8"?>
-<ds:datastoreItem xmlns:ds="http://schemas.openxmlformats.org/officeDocument/2006/customXml" ds:itemID="{B0CA13EC-1D3C-4D6F-8D1C-E8A452CFC79A}">
+<ds:datastoreItem xmlns:ds="http://schemas.openxmlformats.org/officeDocument/2006/customXml" ds:itemID="{3253B29C-1CCD-4FE8-A1C4-023A0910DF96}">
   <ds:schemaRefs>
-    <ds:schemaRef ds:uri="http://schemas.microsoft.com/sharepoint/v3/contenttype/forms"/>
+    <ds:schemaRef ds:uri="http://schemas.microsoft.com/office/2006/metadata/contentType"/>
+    <ds:schemaRef ds:uri="http://schemas.microsoft.com/office/2006/metadata/properties/metaAttributes"/>
+    <ds:schemaRef ds:uri="http://www.w3.org/2001/XMLSchema"/>
+    <ds:schemaRef ds:uri="http://schemas.microsoft.com/office/2006/metadata/properties"/>
+    <ds:schemaRef ds:uri="http://schemas.microsoft.com/sharepoint/v3"/>
+    <ds:schemaRef ds:uri="230e9df3-be65-4c73-a93b-d1236ebd677e"/>
+    <ds:schemaRef ds:uri="27aa9422-7f1f-4c84-9cdf-302b1a67e513"/>
+    <ds:schemaRef ds:uri="http://schemas.microsoft.com/office/2006/documentManagement/types"/>
+    <ds:schemaRef ds:uri="http://schemas.microsoft.com/office/infopath/2007/PartnerControls"/>
+    <ds:schemaRef ds:uri="http://schemas.openxmlformats.org/package/2006/metadata/core-properties"/>
+    <ds:schemaRef ds:uri="http://purl.org/dc/elements/1.1/"/>
+    <ds:schemaRef ds:uri="http://purl.org/dc/terms/"/>
+    <ds:schemaRef ds:uri="http://schemas.microsoft.com/internal/obd"/>
   </ds:schemaRefs>
 </ds:datastoreItem>
 </file>
@@ -19326,21 +18986,9 @@
 </file>
 
 <file path=customXml/itemProps3.xml><?xml version="1.0" encoding="utf-8"?>
-<ds:datastoreItem xmlns:ds="http://schemas.openxmlformats.org/officeDocument/2006/customXml" ds:itemID="{3253B29C-1CCD-4FE8-A1C4-023A0910DF96}">
+<ds:datastoreItem xmlns:ds="http://schemas.openxmlformats.org/officeDocument/2006/customXml" ds:itemID="{B0CA13EC-1D3C-4D6F-8D1C-E8A452CFC79A}">
   <ds:schemaRefs>
-    <ds:schemaRef ds:uri="http://schemas.microsoft.com/office/2006/metadata/contentType"/>
-    <ds:schemaRef ds:uri="http://schemas.microsoft.com/office/2006/metadata/properties/metaAttributes"/>
-    <ds:schemaRef ds:uri="http://www.w3.org/2001/XMLSchema"/>
-    <ds:schemaRef ds:uri="http://schemas.microsoft.com/office/2006/metadata/properties"/>
-    <ds:schemaRef ds:uri="http://schemas.microsoft.com/sharepoint/v3"/>
-    <ds:schemaRef ds:uri="230e9df3-be65-4c73-a93b-d1236ebd677e"/>
-    <ds:schemaRef ds:uri="27aa9422-7f1f-4c84-9cdf-302b1a67e513"/>
-    <ds:schemaRef ds:uri="http://schemas.microsoft.com/office/2006/documentManagement/types"/>
-    <ds:schemaRef ds:uri="http://schemas.microsoft.com/office/infopath/2007/PartnerControls"/>
-    <ds:schemaRef ds:uri="http://schemas.openxmlformats.org/package/2006/metadata/core-properties"/>
-    <ds:schemaRef ds:uri="http://purl.org/dc/elements/1.1/"/>
-    <ds:schemaRef ds:uri="http://purl.org/dc/terms/"/>
-    <ds:schemaRef ds:uri="http://schemas.microsoft.com/internal/obd"/>
+    <ds:schemaRef ds:uri="http://schemas.microsoft.com/sharepoint/v3/contenttype/forms"/>
   </ds:schemaRefs>
 </ds:datastoreItem>
 </file>
--- a/Slides/Module 2 - Web API Basic Design.pptx
+++ b/Slides/Module 2 - Web API Basic Design.pptx
@@ -5,10 +5,10 @@
     <p:sldMasterId id="2147483660" r:id="rId4"/>
   </p:sldMasterIdLst>
   <p:notesMasterIdLst>
-    <p:notesMasterId r:id="rId27"/>
+    <p:notesMasterId r:id="rId28"/>
   </p:notesMasterIdLst>
   <p:handoutMasterIdLst>
-    <p:handoutMasterId r:id="rId28"/>
+    <p:handoutMasterId r:id="rId29"/>
   </p:handoutMasterIdLst>
   <p:sldIdLst>
     <p:sldId id="277" r:id="rId5"/>
@@ -27,12 +27,13 @@
     <p:sldId id="287" r:id="rId18"/>
     <p:sldId id="289" r:id="rId19"/>
     <p:sldId id="301" r:id="rId20"/>
-    <p:sldId id="288" r:id="rId21"/>
-    <p:sldId id="286" r:id="rId22"/>
-    <p:sldId id="302" r:id="rId23"/>
-    <p:sldId id="290" r:id="rId24"/>
-    <p:sldId id="291" r:id="rId25"/>
-    <p:sldId id="269" r:id="rId26"/>
+    <p:sldId id="303" r:id="rId21"/>
+    <p:sldId id="288" r:id="rId22"/>
+    <p:sldId id="286" r:id="rId23"/>
+    <p:sldId id="302" r:id="rId24"/>
+    <p:sldId id="290" r:id="rId25"/>
+    <p:sldId id="291" r:id="rId26"/>
+    <p:sldId id="269" r:id="rId27"/>
   </p:sldIdLst>
   <p:sldSz cx="12192000" cy="6858000"/>
   <p:notesSz cx="6858000" cy="9144000"/>
@@ -11897,7 +11898,7 @@
           <a:p>
             <a:fld id="{312E7B4A-039C-48A2-9B2C-AF16AA3873D8}" type="datetimeFigureOut">
               <a:rPr lang="en-US" smtClean="0"/>
-              <a:t>1/7/2015</a:t>
+              <a:t>1/26/2015</a:t>
             </a:fld>
             <a:endParaRPr lang="en-US"/>
           </a:p>
@@ -12062,7 +12063,7 @@
           <a:p>
             <a:fld id="{DA005A0C-54D9-45AA-87D4-C551D08DFCE1}" type="datetimeFigureOut">
               <a:rPr lang="en-US" smtClean="0"/>
-              <a:t>1/7/2015</a:t>
+              <a:t>1/26/2015</a:t>
             </a:fld>
             <a:endParaRPr lang="en-US"/>
           </a:p>
@@ -12785,7 +12786,7 @@
           <a:p>
             <a:fld id="{4CFD207A-07DF-40AD-A916-9872E089CE7A}" type="slidenum">
               <a:rPr lang="en-US" smtClean="0"/>
-              <a:t>18</a:t>
+              <a:t>19</a:t>
             </a:fld>
             <a:endParaRPr lang="en-US"/>
           </a:p>
@@ -12873,7 +12874,7 @@
           <a:p>
             <a:fld id="{4CFD207A-07DF-40AD-A916-9872E089CE7A}" type="slidenum">
               <a:rPr lang="en-US" smtClean="0"/>
-              <a:t>21</a:t>
+              <a:t>22</a:t>
             </a:fld>
             <a:endParaRPr lang="en-US"/>
           </a:p>
@@ -16220,6 +16221,13 @@
   <p:clrMapOvr>
     <a:masterClrMapping/>
   </p:clrMapOvr>
+  <p:timing>
+    <p:tnLst>
+      <p:par>
+        <p:cTn id="1" dur="indefinite" restart="never" nodeType="tmRoot"/>
+      </p:par>
+    </p:tnLst>
+  </p:timing>
 </p:sld>
 </file>
 
@@ -16468,10 +16476,158 @@
   <p:clrMapOvr>
     <a:masterClrMapping/>
   </p:clrMapOvr>
+  <p:timing>
+    <p:tnLst>
+      <p:par>
+        <p:cTn id="1" dur="indefinite" restart="never" nodeType="tmRoot"/>
+      </p:par>
+    </p:tnLst>
+  </p:timing>
 </p:sld>
 </file>
 
 <file path=ppt/slides/slide17.xml><?xml version="1.0" encoding="utf-8"?>
+<p:sld xmlns:a="http://schemas.openxmlformats.org/drawingml/2006/main" xmlns:r="http://schemas.openxmlformats.org/officeDocument/2006/relationships" xmlns:p="http://schemas.openxmlformats.org/presentationml/2006/main">
+  <p:cSld>
+    <p:spTree>
+      <p:nvGrpSpPr>
+        <p:cNvPr id="1" name=""/>
+        <p:cNvGrpSpPr/>
+        <p:nvPr/>
+      </p:nvGrpSpPr>
+      <p:grpSpPr>
+        <a:xfrm>
+          <a:off x="0" y="0"/>
+          <a:ext cx="0" cy="0"/>
+          <a:chOff x="0" y="0"/>
+          <a:chExt cx="0" cy="0"/>
+        </a:xfrm>
+      </p:grpSpPr>
+      <p:sp>
+        <p:nvSpPr>
+          <p:cNvPr id="2" name="Title 1"/>
+          <p:cNvSpPr>
+            <a:spLocks noGrp="1"/>
+          </p:cNvSpPr>
+          <p:nvPr>
+            <p:ph type="title"/>
+          </p:nvPr>
+        </p:nvSpPr>
+        <p:spPr/>
+        <p:txBody>
+          <a:bodyPr/>
+          <a:lstStyle/>
+          <a:p>
+            <a:r>
+              <a:rPr lang="en-US" dirty="0" smtClean="0"/>
+              <a:t>Tools for Testing</a:t>
+            </a:r>
+            <a:endParaRPr lang="en-US" dirty="0"/>
+          </a:p>
+        </p:txBody>
+      </p:sp>
+      <p:sp>
+        <p:nvSpPr>
+          <p:cNvPr id="3" name="Content Placeholder 2"/>
+          <p:cNvSpPr>
+            <a:spLocks noGrp="1"/>
+          </p:cNvSpPr>
+          <p:nvPr>
+            <p:ph sz="quarter" idx="10"/>
+          </p:nvPr>
+        </p:nvSpPr>
+        <p:spPr/>
+        <p:txBody>
+          <a:bodyPr/>
+          <a:lstStyle/>
+          <a:p>
+            <a:r>
+              <a:rPr lang="en-US" dirty="0" smtClean="0"/>
+              <a:t>Web API 2.2 Help Page</a:t>
+            </a:r>
+          </a:p>
+          <a:p>
+            <a:r>
+              <a:rPr lang="en-US" dirty="0" smtClean="0"/>
+              <a:t>Generates documentation to validate your API routes and parameters</a:t>
+            </a:r>
+            <a:endParaRPr lang="en-US" dirty="0" smtClean="0"/>
+          </a:p>
+          <a:p>
+            <a:r>
+              <a:rPr lang="en-US" dirty="0" smtClean="0"/>
+              <a:t>Install-Package </a:t>
+            </a:r>
+            <a:r>
+              <a:rPr lang="en-US" dirty="0" err="1" smtClean="0"/>
+              <a:t>Microsoft.AspNet.WebApi.HelpPage</a:t>
+            </a:r>
+            <a:endParaRPr lang="en-US" dirty="0" smtClean="0"/>
+          </a:p>
+          <a:p>
+            <a:r>
+              <a:rPr lang="en-US" dirty="0" smtClean="0"/>
+              <a:t>If your project did not already include MVC, add a call to </a:t>
+            </a:r>
+            <a:r>
+              <a:rPr lang="en-US" dirty="0" err="1" smtClean="0"/>
+              <a:t>AreaRegistration.RegisterAllAreas</a:t>
+            </a:r>
+            <a:r>
+              <a:rPr lang="en-US" dirty="0" smtClean="0"/>
+              <a:t> in </a:t>
+            </a:r>
+            <a:r>
+              <a:rPr lang="en-US" dirty="0" err="1" smtClean="0"/>
+              <a:t>WebApiConfig</a:t>
+            </a:r>
+            <a:endParaRPr lang="en-US" dirty="0" smtClean="0"/>
+          </a:p>
+          <a:p>
+            <a:r>
+              <a:rPr lang="en-US" dirty="0">
+                <a:hlinkClick r:id="rId2"/>
+              </a:rPr>
+              <a:t>http://</a:t>
+            </a:r>
+            <a:r>
+              <a:rPr lang="en-US" dirty="0" smtClean="0">
+                <a:hlinkClick r:id="rId2"/>
+              </a:rPr>
+              <a:t>www.asp.net/web-api/overview/getting-started-with-aspnet-web-api/creating-api-help-pages</a:t>
+            </a:r>
+            <a:r>
+              <a:rPr lang="en-US" dirty="0" smtClean="0"/>
+              <a:t> </a:t>
+            </a:r>
+            <a:endParaRPr lang="en-US" dirty="0" smtClean="0"/>
+          </a:p>
+          <a:p>
+            <a:endParaRPr lang="en-US" dirty="0" smtClean="0"/>
+          </a:p>
+        </p:txBody>
+      </p:sp>
+    </p:spTree>
+    <p:extLst>
+      <p:ext uri="{BB962C8B-B14F-4D97-AF65-F5344CB8AC3E}">
+        <p14:creationId xmlns:p14="http://schemas.microsoft.com/office/powerpoint/2010/main" val="3194456494"/>
+      </p:ext>
+    </p:extLst>
+  </p:cSld>
+  <p:clrMapOvr>
+    <a:masterClrMapping/>
+  </p:clrMapOvr>
+  <p:timing>
+    <p:tnLst>
+      <p:par>
+        <p:cTn id="1" dur="indefinite" restart="never" nodeType="tmRoot"/>
+      </p:par>
+    </p:tnLst>
+  </p:timing>
+</p:sld>
+</file>
+
+<file path=ppt/slides/slide18.xml><?xml version="1.0" encoding="utf-8"?>
 <p:sld xmlns:a="http://schemas.openxmlformats.org/drawingml/2006/main" xmlns:r="http://schemas.openxmlformats.org/officeDocument/2006/relationships" xmlns:p="http://schemas.openxmlformats.org/presentationml/2006/main">
   <p:cSld>
     <p:spTree>
@@ -16610,7 +16766,7 @@
 </p:sld>
 </file>
 
-<file path=ppt/slides/slide18.xml><?xml version="1.0" encoding="utf-8"?>
+<file path=ppt/slides/slide19.xml><?xml version="1.0" encoding="utf-8"?>
 <p:sld xmlns:a="http://schemas.openxmlformats.org/drawingml/2006/main" xmlns:r="http://schemas.openxmlformats.org/officeDocument/2006/relationships" xmlns:p="http://schemas.openxmlformats.org/presentationml/2006/main">
   <p:cSld>
     <p:spTree>
@@ -16667,82 +16823,6 @@
       </p:par>
     </p:tnLst>
   </p:timing>
-</p:sld>
-</file>
-
-<file path=ppt/slides/slide19.xml><?xml version="1.0" encoding="utf-8"?>
-<p:sld xmlns:a="http://schemas.openxmlformats.org/drawingml/2006/main" xmlns:r="http://schemas.openxmlformats.org/officeDocument/2006/relationships" xmlns:p="http://schemas.openxmlformats.org/presentationml/2006/main">
-  <p:cSld>
-    <p:spTree>
-      <p:nvGrpSpPr>
-        <p:cNvPr id="1" name=""/>
-        <p:cNvGrpSpPr/>
-        <p:nvPr/>
-      </p:nvGrpSpPr>
-      <p:grpSpPr>
-        <a:xfrm>
-          <a:off x="0" y="0"/>
-          <a:ext cx="0" cy="0"/>
-          <a:chOff x="0" y="0"/>
-          <a:chExt cx="0" cy="0"/>
-        </a:xfrm>
-      </p:grpSpPr>
-      <p:sp>
-        <p:nvSpPr>
-          <p:cNvPr id="5" name="Text Placeholder 4"/>
-          <p:cNvSpPr>
-            <a:spLocks noGrp="1"/>
-          </p:cNvSpPr>
-          <p:nvPr>
-            <p:ph type="body" sz="quarter" idx="10"/>
-          </p:nvPr>
-        </p:nvSpPr>
-        <p:spPr/>
-        <p:txBody>
-          <a:bodyPr/>
-          <a:lstStyle/>
-          <a:p>
-            <a:r>
-              <a:rPr lang="en-US" dirty="0" smtClean="0"/>
-              <a:t>Consuming REST with jQuery</a:t>
-            </a:r>
-            <a:endParaRPr lang="en-US" dirty="0"/>
-          </a:p>
-        </p:txBody>
-      </p:sp>
-      <p:sp>
-        <p:nvSpPr>
-          <p:cNvPr id="4" name="Subtitle 3"/>
-          <p:cNvSpPr>
-            <a:spLocks noGrp="1"/>
-          </p:cNvSpPr>
-          <p:nvPr>
-            <p:ph type="subTitle" idx="1"/>
-          </p:nvPr>
-        </p:nvSpPr>
-        <p:spPr/>
-        <p:txBody>
-          <a:bodyPr/>
-          <a:lstStyle/>
-          <a:p>
-            <a:r>
-              <a:rPr lang="en-US" dirty="0" smtClean="0"/>
-              <a:t>(or why JSON is such a good thing™)</a:t>
-            </a:r>
-            <a:endParaRPr lang="en-US" dirty="0"/>
-          </a:p>
-        </p:txBody>
-      </p:sp>
-    </p:spTree>
-    <p:extLst>
-      <p:ext uri="{BB962C8B-B14F-4D97-AF65-F5344CB8AC3E}">
-        <p14:creationId xmlns:p14="http://schemas.microsoft.com/office/powerpoint/2010/main" val="3208033321"/>
-      </p:ext>
-    </p:extLst>
-  </p:cSld>
-  <p:clrMapOvr>
-    <a:masterClrMapping/>
-  </p:clrMapOvr>
 </p:sld>
 </file>
 
@@ -16882,12 +16962,12 @@
       </p:grpSpPr>
       <p:sp>
         <p:nvSpPr>
-          <p:cNvPr id="2" name="Title 1"/>
+          <p:cNvPr id="5" name="Text Placeholder 4"/>
           <p:cNvSpPr>
             <a:spLocks noGrp="1"/>
           </p:cNvSpPr>
           <p:nvPr>
-            <p:ph type="title"/>
+            <p:ph type="body" sz="quarter" idx="10"/>
           </p:nvPr>
         </p:nvSpPr>
         <p:spPr/>
@@ -16897,19 +16977,20 @@
           <a:p>
             <a:r>
               <a:rPr lang="en-US" dirty="0" smtClean="0"/>
-              <a:t>Consuming a RESTful API with jQuery</a:t>
-            </a:r>
+              <a:t>Consuming REST with jQuery</a:t>
+            </a:r>
+            <a:endParaRPr lang="en-US" dirty="0"/>
           </a:p>
         </p:txBody>
       </p:sp>
       <p:sp>
         <p:nvSpPr>
-          <p:cNvPr id="3" name="Content Placeholder 2"/>
+          <p:cNvPr id="4" name="Subtitle 3"/>
           <p:cNvSpPr>
             <a:spLocks noGrp="1"/>
           </p:cNvSpPr>
           <p:nvPr>
-            <p:ph sz="quarter" idx="10"/>
+            <p:ph type="subTitle" idx="1"/>
           </p:nvPr>
         </p:nvSpPr>
         <p:spPr/>
@@ -16919,63 +17000,16 @@
           <a:p>
             <a:r>
               <a:rPr lang="en-US" dirty="0" smtClean="0"/>
-              <a:t>$.</a:t>
-            </a:r>
-            <a:r>
-              <a:rPr lang="en-US" dirty="0" err="1" smtClean="0"/>
-              <a:t>ajax</a:t>
-            </a:r>
-            <a:r>
-              <a:rPr lang="en-US" dirty="0" smtClean="0"/>
-              <a:t> </a:t>
-            </a:r>
-          </a:p>
-          <a:p>
-            <a:r>
-              <a:rPr lang="en-US" dirty="0" smtClean="0"/>
-              <a:t>Verbs (PUT, POST, GET) </a:t>
-            </a:r>
-          </a:p>
-          <a:p>
-            <a:r>
-              <a:rPr lang="en-US" dirty="0" smtClean="0"/>
-              <a:t>URL (resource)</a:t>
-            </a:r>
-          </a:p>
-          <a:p>
-            <a:r>
-              <a:rPr lang="en-US" dirty="0" smtClean="0"/>
-              <a:t>Data </a:t>
-            </a:r>
-          </a:p>
-          <a:p>
-            <a:r>
-              <a:rPr lang="en-US" dirty="0" err="1" smtClean="0"/>
-              <a:t>DataType</a:t>
-            </a:r>
-            <a:r>
-              <a:rPr lang="en-US" dirty="0" smtClean="0"/>
-              <a:t> </a:t>
+              <a:t>(or why JSON is such a good thing™)</a:t>
             </a:r>
             <a:endParaRPr lang="en-US" dirty="0"/>
-          </a:p>
-          <a:p>
-            <a:r>
-              <a:rPr lang="en-US" dirty="0" smtClean="0"/>
-              <a:t>JSON makes it really, really easy to turn into a </a:t>
-            </a:r>
-            <a:r>
-              <a:rPr lang="en-US" smtClean="0"/>
-              <a:t>JavaScript object</a:t>
-            </a:r>
-            <a:endParaRPr lang="en-US" dirty="0" smtClean="0"/>
           </a:p>
         </p:txBody>
       </p:sp>
     </p:spTree>
     <p:extLst>
       <p:ext uri="{BB962C8B-B14F-4D97-AF65-F5344CB8AC3E}">
-        <p14:creationId xmlns:p14="http://schemas.microsoft.com/office/powerpoint/2010/main" val="3330636896"/>
+        <p14:creationId xmlns:p14="http://schemas.microsoft.com/office/powerpoint/2010/main" val="3208033321"/>
       </p:ext>
     </p:extLst>
   </p:cSld>
@@ -17025,6 +17059,135 @@
           <a:lstStyle/>
           <a:p>
             <a:r>
+              <a:rPr lang="en-US" dirty="0" smtClean="0"/>
+              <a:t>Consuming a RESTful API with jQuery</a:t>
+            </a:r>
+          </a:p>
+        </p:txBody>
+      </p:sp>
+      <p:sp>
+        <p:nvSpPr>
+          <p:cNvPr id="3" name="Content Placeholder 2"/>
+          <p:cNvSpPr>
+            <a:spLocks noGrp="1"/>
+          </p:cNvSpPr>
+          <p:nvPr>
+            <p:ph sz="quarter" idx="10"/>
+          </p:nvPr>
+        </p:nvSpPr>
+        <p:spPr/>
+        <p:txBody>
+          <a:bodyPr/>
+          <a:lstStyle/>
+          <a:p>
+            <a:r>
+              <a:rPr lang="en-US" dirty="0" smtClean="0"/>
+              <a:t>$.</a:t>
+            </a:r>
+            <a:r>
+              <a:rPr lang="en-US" dirty="0" err="1" smtClean="0"/>
+              <a:t>ajax</a:t>
+            </a:r>
+            <a:r>
+              <a:rPr lang="en-US" dirty="0" smtClean="0"/>
+              <a:t> </a:t>
+            </a:r>
+          </a:p>
+          <a:p>
+            <a:r>
+              <a:rPr lang="en-US" dirty="0" smtClean="0"/>
+              <a:t>Verbs (PUT, POST, GET) </a:t>
+            </a:r>
+          </a:p>
+          <a:p>
+            <a:r>
+              <a:rPr lang="en-US" dirty="0" smtClean="0"/>
+              <a:t>URL (resource)</a:t>
+            </a:r>
+          </a:p>
+          <a:p>
+            <a:r>
+              <a:rPr lang="en-US" dirty="0" smtClean="0"/>
+              <a:t>Data </a:t>
+            </a:r>
+          </a:p>
+          <a:p>
+            <a:r>
+              <a:rPr lang="en-US" dirty="0" err="1" smtClean="0"/>
+              <a:t>DataType</a:t>
+            </a:r>
+            <a:r>
+              <a:rPr lang="en-US" dirty="0" smtClean="0"/>
+              <a:t> </a:t>
+            </a:r>
+            <a:endParaRPr lang="en-US" dirty="0"/>
+          </a:p>
+          <a:p>
+            <a:r>
+              <a:rPr lang="en-US" dirty="0" smtClean="0"/>
+              <a:t>JSON makes it really, really easy to turn into a </a:t>
+            </a:r>
+            <a:r>
+              <a:rPr lang="en-US" smtClean="0"/>
+              <a:t>JavaScript object</a:t>
+            </a:r>
+            <a:endParaRPr lang="en-US" dirty="0" smtClean="0"/>
+          </a:p>
+        </p:txBody>
+      </p:sp>
+    </p:spTree>
+    <p:extLst>
+      <p:ext uri="{BB962C8B-B14F-4D97-AF65-F5344CB8AC3E}">
+        <p14:creationId xmlns:p14="http://schemas.microsoft.com/office/powerpoint/2010/main" val="3330636896"/>
+      </p:ext>
+    </p:extLst>
+  </p:cSld>
+  <p:clrMapOvr>
+    <a:masterClrMapping/>
+  </p:clrMapOvr>
+  <p:timing>
+    <p:tnLst>
+      <p:par>
+        <p:cTn id="1" dur="indefinite" restart="never" nodeType="tmRoot"/>
+      </p:par>
+    </p:tnLst>
+  </p:timing>
+</p:sld>
+</file>
+
+<file path=ppt/slides/slide22.xml><?xml version="1.0" encoding="utf-8"?>
+<p:sld xmlns:a="http://schemas.openxmlformats.org/drawingml/2006/main" xmlns:r="http://schemas.openxmlformats.org/officeDocument/2006/relationships" xmlns:p="http://schemas.openxmlformats.org/presentationml/2006/main">
+  <p:cSld>
+    <p:spTree>
+      <p:nvGrpSpPr>
+        <p:cNvPr id="1" name=""/>
+        <p:cNvGrpSpPr/>
+        <p:nvPr/>
+      </p:nvGrpSpPr>
+      <p:grpSpPr>
+        <a:xfrm>
+          <a:off x="0" y="0"/>
+          <a:ext cx="0" cy="0"/>
+          <a:chOff x="0" y="0"/>
+          <a:chExt cx="0" cy="0"/>
+        </a:xfrm>
+      </p:grpSpPr>
+      <p:sp>
+        <p:nvSpPr>
+          <p:cNvPr id="2" name="Title 1"/>
+          <p:cNvSpPr>
+            <a:spLocks noGrp="1"/>
+          </p:cNvSpPr>
+          <p:nvPr>
+            <p:ph type="title"/>
+          </p:nvPr>
+        </p:nvSpPr>
+        <p:spPr/>
+        <p:txBody>
+          <a:bodyPr/>
+          <a:lstStyle/>
+          <a:p>
+            <a:r>
               <a:rPr lang="en-US" b="1" dirty="0" smtClean="0"/>
               <a:t>Consuming a RESTful API with jQuery</a:t>
             </a:r>
@@ -17052,7 +17215,7 @@
 </p:sld>
 </file>
 
-<file path=ppt/slides/slide22.xml><?xml version="1.0" encoding="utf-8"?>
+<file path=ppt/slides/slide23.xml><?xml version="1.0" encoding="utf-8"?>
 <p:sld xmlns:a="http://schemas.openxmlformats.org/drawingml/2006/main" xmlns:r="http://schemas.openxmlformats.org/officeDocument/2006/relationships" xmlns:p="http://schemas.openxmlformats.org/presentationml/2006/main">
   <p:cSld>
     <p:spTree>
@@ -17162,6 +17325,13 @@
   <p:clrMapOvr>
     <a:masterClrMapping/>
   </p:clrMapOvr>
+  <p:timing>
+    <p:tnLst>
+      <p:par>
+        <p:cTn id="1" dur="indefinite" restart="never" nodeType="tmRoot"/>
+      </p:par>
+    </p:tnLst>
+  </p:timing>
 </p:sld>
 </file>
 
@@ -17663,6 +17833,13 @@
   <p:clrMapOvr>
     <a:masterClrMapping/>
   </p:clrMapOvr>
+  <p:timing>
+    <p:tnLst>
+      <p:par>
+        <p:cTn id="1" dur="indefinite" restart="never" nodeType="tmRoot"/>
+      </p:par>
+    </p:tnLst>
+  </p:timing>
 </p:sld>
 </file>
 
@@ -18744,6 +18921,28 @@
 </file>
 
 <file path=customXml/item1.xml><?xml version="1.0" encoding="utf-8"?>
+<?mso-contentType ?>
+<FormTemplates xmlns="http://schemas.microsoft.com/sharepoint/v3/contenttype/forms">
+  <Display>DocumentLibraryForm</Display>
+  <Edit>DocumentLibraryForm</Edit>
+  <New>DocumentLibraryForm</New>
+</FormTemplates>
+</file>
+
+<file path=customXml/item2.xml><?xml version="1.0" encoding="utf-8"?>
+<p:properties xmlns:p="http://schemas.microsoft.com/office/2006/metadata/properties" xmlns:xsi="http://www.w3.org/2001/XMLSchema-instance" xmlns:pc="http://schemas.microsoft.com/office/infopath/2007/PartnerControls">
+  <documentManagement>
+    <TaxCatchAll xmlns="230e9df3-be65-4c73-a93b-d1236ebd677e"/>
+    <PublishingExpirationDate xmlns="http://schemas.microsoft.com/sharepoint/v3" xsi:nil="true"/>
+    <PublishingStartDate xmlns="http://schemas.microsoft.com/sharepoint/v3" xsi:nil="true"/>
+    <TaxKeywordTaxHTField xmlns="230e9df3-be65-4c73-a93b-d1236ebd677e">
+      <Terms xmlns="http://schemas.microsoft.com/office/infopath/2007/PartnerControls"/>
+    </TaxKeywordTaxHTField>
+  </documentManagement>
+</p:properties>
+</file>
+
+<file path=customXml/item3.xml><?xml version="1.0" encoding="utf-8"?>
 <ct:contentTypeSchema xmlns:ct="http://schemas.microsoft.com/office/2006/metadata/contentType" xmlns:ma="http://schemas.microsoft.com/office/2006/metadata/properties/metaAttributes" ct:_="" ma:_="" ma:contentTypeName="Document" ma:contentTypeID="0x010100496889825850D44592AC5D2F43187AE4" ma:contentTypeVersion="5" ma:contentTypeDescription="Create a new document." ma:contentTypeScope="" ma:versionID="fde90edb5a63ba841bca516fd2abaf95">
   <xsd:schema xmlns:xsd="http://www.w3.org/2001/XMLSchema" xmlns:xs="http://www.w3.org/2001/XMLSchema" xmlns:p="http://schemas.microsoft.com/office/2006/metadata/properties" xmlns:ns1="http://schemas.microsoft.com/sharepoint/v3" xmlns:ns2="230e9df3-be65-4c73-a93b-d1236ebd677e" xmlns:ns3="27aa9422-7f1f-4c84-9cdf-302b1a67e513" targetNamespace="http://schemas.microsoft.com/office/2006/metadata/properties" ma:root="true" ma:fieldsID="5e7808ae941cc340dbe51a3031959734" ns1:_="" ns2:_="" ns3:_="">
     <xsd:import namespace="http://schemas.microsoft.com/sharepoint/v3"/>
@@ -18925,44 +19124,10 @@
 </ct:contentTypeSchema>
 </file>
 
-<file path=customXml/item2.xml><?xml version="1.0" encoding="utf-8"?>
-<p:properties xmlns:p="http://schemas.microsoft.com/office/2006/metadata/properties" xmlns:xsi="http://www.w3.org/2001/XMLSchema-instance" xmlns:pc="http://schemas.microsoft.com/office/infopath/2007/PartnerControls">
-  <documentManagement>
-    <TaxCatchAll xmlns="230e9df3-be65-4c73-a93b-d1236ebd677e"/>
-    <PublishingExpirationDate xmlns="http://schemas.microsoft.com/sharepoint/v3" xsi:nil="true"/>
-    <PublishingStartDate xmlns="http://schemas.microsoft.com/sharepoint/v3" xsi:nil="true"/>
-    <TaxKeywordTaxHTField xmlns="230e9df3-be65-4c73-a93b-d1236ebd677e">
-      <Terms xmlns="http://schemas.microsoft.com/office/infopath/2007/PartnerControls"/>
-    </TaxKeywordTaxHTField>
-  </documentManagement>
-</p:properties>
-</file>
-
-<file path=customXml/item3.xml><?xml version="1.0" encoding="utf-8"?>
-<?mso-contentType ?>
-<FormTemplates xmlns="http://schemas.microsoft.com/sharepoint/v3/contenttype/forms">
-  <Display>DocumentLibraryForm</Display>
-  <Edit>DocumentLibraryForm</Edit>
-  <New>DocumentLibraryForm</New>
-</FormTemplates>
-</file>
-
 <file path=customXml/itemProps1.xml><?xml version="1.0" encoding="utf-8"?>
-<ds:datastoreItem xmlns:ds="http://schemas.openxmlformats.org/officeDocument/2006/customXml" ds:itemID="{3253B29C-1CCD-4FE8-A1C4-023A0910DF96}">
+<ds:datastoreItem xmlns:ds="http://schemas.openxmlformats.org/officeDocument/2006/customXml" ds:itemID="{B0CA13EC-1D3C-4D6F-8D1C-E8A452CFC79A}">
   <ds:schemaRefs>
-    <ds:schemaRef ds:uri="http://schemas.microsoft.com/office/2006/metadata/contentType"/>
-    <ds:schemaRef ds:uri="http://schemas.microsoft.com/office/2006/metadata/properties/metaAttributes"/>
-    <ds:schemaRef ds:uri="http://www.w3.org/2001/XMLSchema"/>
-    <ds:schemaRef ds:uri="http://schemas.microsoft.com/office/2006/metadata/properties"/>
-    <ds:schemaRef ds:uri="http://schemas.microsoft.com/sharepoint/v3"/>
-    <ds:schemaRef ds:uri="230e9df3-be65-4c73-a93b-d1236ebd677e"/>
-    <ds:schemaRef ds:uri="27aa9422-7f1f-4c84-9cdf-302b1a67e513"/>
-    <ds:schemaRef ds:uri="http://schemas.microsoft.com/office/2006/documentManagement/types"/>
-    <ds:schemaRef ds:uri="http://schemas.microsoft.com/office/infopath/2007/PartnerControls"/>
-    <ds:schemaRef ds:uri="http://schemas.openxmlformats.org/package/2006/metadata/core-properties"/>
-    <ds:schemaRef ds:uri="http://purl.org/dc/elements/1.1/"/>
-    <ds:schemaRef ds:uri="http://purl.org/dc/terms/"/>
-    <ds:schemaRef ds:uri="http://schemas.microsoft.com/internal/obd"/>
+    <ds:schemaRef ds:uri="http://schemas.microsoft.com/sharepoint/v3/contenttype/forms"/>
   </ds:schemaRefs>
 </ds:datastoreItem>
 </file>
@@ -18986,9 +19151,21 @@
 </file>
 
 <file path=customXml/itemProps3.xml><?xml version="1.0" encoding="utf-8"?>
-<ds:datastoreItem xmlns:ds="http://schemas.openxmlformats.org/officeDocument/2006/customXml" ds:itemID="{B0CA13EC-1D3C-4D6F-8D1C-E8A452CFC79A}">
+<ds:datastoreItem xmlns:ds="http://schemas.openxmlformats.org/officeDocument/2006/customXml" ds:itemID="{3253B29C-1CCD-4FE8-A1C4-023A0910DF96}">
   <ds:schemaRefs>
-    <ds:schemaRef ds:uri="http://schemas.microsoft.com/sharepoint/v3/contenttype/forms"/>
+    <ds:schemaRef ds:uri="http://schemas.microsoft.com/office/2006/metadata/contentType"/>
+    <ds:schemaRef ds:uri="http://schemas.microsoft.com/office/2006/metadata/properties/metaAttributes"/>
+    <ds:schemaRef ds:uri="http://www.w3.org/2001/XMLSchema"/>
+    <ds:schemaRef ds:uri="http://schemas.microsoft.com/office/2006/metadata/properties"/>
+    <ds:schemaRef ds:uri="http://schemas.microsoft.com/sharepoint/v3"/>
+    <ds:schemaRef ds:uri="230e9df3-be65-4c73-a93b-d1236ebd677e"/>
+    <ds:schemaRef ds:uri="27aa9422-7f1f-4c84-9cdf-302b1a67e513"/>
+    <ds:schemaRef ds:uri="http://schemas.microsoft.com/office/2006/documentManagement/types"/>
+    <ds:schemaRef ds:uri="http://schemas.microsoft.com/office/infopath/2007/PartnerControls"/>
+    <ds:schemaRef ds:uri="http://schemas.openxmlformats.org/package/2006/metadata/core-properties"/>
+    <ds:schemaRef ds:uri="http://purl.org/dc/elements/1.1/"/>
+    <ds:schemaRef ds:uri="http://purl.org/dc/terms/"/>
+    <ds:schemaRef ds:uri="http://schemas.microsoft.com/internal/obd"/>
   </ds:schemaRefs>
 </ds:datastoreItem>
 </file>
--- a/Slides/Module 2 - Web API Basic Design.pptx
+++ b/Slides/Module 2 - Web API Basic Design.pptx
@@ -11898,7 +11898,7 @@
           <a:p>
             <a:fld id="{312E7B4A-039C-48A2-9B2C-AF16AA3873D8}" type="datetimeFigureOut">
               <a:rPr lang="en-US" smtClean="0"/>
-              <a:t>1/26/2015</a:t>
+              <a:t>2/2/2015</a:t>
             </a:fld>
             <a:endParaRPr lang="en-US"/>
           </a:p>
@@ -12063,7 +12063,7 @@
           <a:p>
             <a:fld id="{DA005A0C-54D9-45AA-87D4-C551D08DFCE1}" type="datetimeFigureOut">
               <a:rPr lang="en-US" smtClean="0"/>
-              <a:t>1/26/2015</a:t>
+              <a:t>2/2/2015</a:t>
             </a:fld>
             <a:endParaRPr lang="en-US"/>
           </a:p>
@@ -12650,12 +12650,12 @@
               <a:t>Show </a:t>
             </a:r>
             <a:r>
-              <a:rPr lang="en-US" dirty="0" err="1" smtClean="0"/>
-              <a:t>Odata</a:t>
-            </a:r>
-            <a:r>
               <a:rPr lang="en-US" dirty="0" smtClean="0"/>
-              <a:t> example, but add</a:t>
+              <a:t>solution example</a:t>
+            </a:r>
+            <a:r>
+              <a:rPr lang="en-US" dirty="0" smtClean="0"/>
+              <a:t>, but add</a:t>
             </a:r>
             <a:r>
               <a:rPr lang="en-US" baseline="0" dirty="0" smtClean="0"/>
@@ -16551,7 +16551,6 @@
               <a:rPr lang="en-US" dirty="0" smtClean="0"/>
               <a:t>Generates documentation to validate your API routes and parameters</a:t>
             </a:r>
-            <a:endParaRPr lang="en-US" dirty="0" smtClean="0"/>
           </a:p>
           <a:p>
             <a:r>
@@ -16600,7 +16599,6 @@
               <a:rPr lang="en-US" dirty="0" smtClean="0"/>
               <a:t> </a:t>
             </a:r>
-            <a:endParaRPr lang="en-US" dirty="0" smtClean="0"/>
           </a:p>
           <a:p>
             <a:endParaRPr lang="en-US" dirty="0" smtClean="0"/>
@@ -18921,28 +18919,6 @@
 </file>
 
 <file path=customXml/item1.xml><?xml version="1.0" encoding="utf-8"?>
-<?mso-contentType ?>
-<FormTemplates xmlns="http://schemas.microsoft.com/sharepoint/v3/contenttype/forms">
-  <Display>DocumentLibraryForm</Display>
-  <Edit>DocumentLibraryForm</Edit>
-  <New>DocumentLibraryForm</New>
-</FormTemplates>
-</file>
-
-<file path=customXml/item2.xml><?xml version="1.0" encoding="utf-8"?>
-<p:properties xmlns:p="http://schemas.microsoft.com/office/2006/metadata/properties" xmlns:xsi="http://www.w3.org/2001/XMLSchema-instance" xmlns:pc="http://schemas.microsoft.com/office/infopath/2007/PartnerControls">
-  <documentManagement>
-    <TaxCatchAll xmlns="230e9df3-be65-4c73-a93b-d1236ebd677e"/>
-    <PublishingExpirationDate xmlns="http://schemas.microsoft.com/sharepoint/v3" xsi:nil="true"/>
-    <PublishingStartDate xmlns="http://schemas.microsoft.com/sharepoint/v3" xsi:nil="true"/>
-    <TaxKeywordTaxHTField xmlns="230e9df3-be65-4c73-a93b-d1236ebd677e">
-      <Terms xmlns="http://schemas.microsoft.com/office/infopath/2007/PartnerControls"/>
-    </TaxKeywordTaxHTField>
-  </documentManagement>
-</p:properties>
-</file>
-
-<file path=customXml/item3.xml><?xml version="1.0" encoding="utf-8"?>
 <ct:contentTypeSchema xmlns:ct="http://schemas.microsoft.com/office/2006/metadata/contentType" xmlns:ma="http://schemas.microsoft.com/office/2006/metadata/properties/metaAttributes" ct:_="" ma:_="" ma:contentTypeName="Document" ma:contentTypeID="0x010100496889825850D44592AC5D2F43187AE4" ma:contentTypeVersion="5" ma:contentTypeDescription="Create a new document." ma:contentTypeScope="" ma:versionID="fde90edb5a63ba841bca516fd2abaf95">
   <xsd:schema xmlns:xsd="http://www.w3.org/2001/XMLSchema" xmlns:xs="http://www.w3.org/2001/XMLSchema" xmlns:p="http://schemas.microsoft.com/office/2006/metadata/properties" xmlns:ns1="http://schemas.microsoft.com/sharepoint/v3" xmlns:ns2="230e9df3-be65-4c73-a93b-d1236ebd677e" xmlns:ns3="27aa9422-7f1f-4c84-9cdf-302b1a67e513" targetNamespace="http://schemas.microsoft.com/office/2006/metadata/properties" ma:root="true" ma:fieldsID="5e7808ae941cc340dbe51a3031959734" ns1:_="" ns2:_="" ns3:_="">
     <xsd:import namespace="http://schemas.microsoft.com/sharepoint/v3"/>
@@ -19124,10 +19100,44 @@
 </ct:contentTypeSchema>
 </file>
 
+<file path=customXml/item2.xml><?xml version="1.0" encoding="utf-8"?>
+<p:properties xmlns:p="http://schemas.microsoft.com/office/2006/metadata/properties" xmlns:xsi="http://www.w3.org/2001/XMLSchema-instance" xmlns:pc="http://schemas.microsoft.com/office/infopath/2007/PartnerControls">
+  <documentManagement>
+    <TaxCatchAll xmlns="230e9df3-be65-4c73-a93b-d1236ebd677e"/>
+    <PublishingExpirationDate xmlns="http://schemas.microsoft.com/sharepoint/v3" xsi:nil="true"/>
+    <PublishingStartDate xmlns="http://schemas.microsoft.com/sharepoint/v3" xsi:nil="true"/>
+    <TaxKeywordTaxHTField xmlns="230e9df3-be65-4c73-a93b-d1236ebd677e">
+      <Terms xmlns="http://schemas.microsoft.com/office/infopath/2007/PartnerControls"/>
+    </TaxKeywordTaxHTField>
+  </documentManagement>
+</p:properties>
+</file>
+
+<file path=customXml/item3.xml><?xml version="1.0" encoding="utf-8"?>
+<?mso-contentType ?>
+<FormTemplates xmlns="http://schemas.microsoft.com/sharepoint/v3/contenttype/forms">
+  <Display>DocumentLibraryForm</Display>
+  <Edit>DocumentLibraryForm</Edit>
+  <New>DocumentLibraryForm</New>
+</FormTemplates>
+</file>
+
 <file path=customXml/itemProps1.xml><?xml version="1.0" encoding="utf-8"?>
-<ds:datastoreItem xmlns:ds="http://schemas.openxmlformats.org/officeDocument/2006/customXml" ds:itemID="{B0CA13EC-1D3C-4D6F-8D1C-E8A452CFC79A}">
+<ds:datastoreItem xmlns:ds="http://schemas.openxmlformats.org/officeDocument/2006/customXml" ds:itemID="{3253B29C-1CCD-4FE8-A1C4-023A0910DF96}">
   <ds:schemaRefs>
-    <ds:schemaRef ds:uri="http://schemas.microsoft.com/sharepoint/v3/contenttype/forms"/>
+    <ds:schemaRef ds:uri="http://schemas.microsoft.com/office/2006/metadata/contentType"/>
+    <ds:schemaRef ds:uri="http://schemas.microsoft.com/office/2006/metadata/properties/metaAttributes"/>
+    <ds:schemaRef ds:uri="http://www.w3.org/2001/XMLSchema"/>
+    <ds:schemaRef ds:uri="http://schemas.microsoft.com/office/2006/metadata/properties"/>
+    <ds:schemaRef ds:uri="http://schemas.microsoft.com/sharepoint/v3"/>
+    <ds:schemaRef ds:uri="230e9df3-be65-4c73-a93b-d1236ebd677e"/>
+    <ds:schemaRef ds:uri="27aa9422-7f1f-4c84-9cdf-302b1a67e513"/>
+    <ds:schemaRef ds:uri="http://schemas.microsoft.com/office/2006/documentManagement/types"/>
+    <ds:schemaRef ds:uri="http://schemas.microsoft.com/office/infopath/2007/PartnerControls"/>
+    <ds:schemaRef ds:uri="http://schemas.openxmlformats.org/package/2006/metadata/core-properties"/>
+    <ds:schemaRef ds:uri="http://purl.org/dc/elements/1.1/"/>
+    <ds:schemaRef ds:uri="http://purl.org/dc/terms/"/>
+    <ds:schemaRef ds:uri="http://schemas.microsoft.com/internal/obd"/>
   </ds:schemaRefs>
 </ds:datastoreItem>
 </file>
@@ -19151,21 +19161,9 @@
 </file>
 
 <file path=customXml/itemProps3.xml><?xml version="1.0" encoding="utf-8"?>
-<ds:datastoreItem xmlns:ds="http://schemas.openxmlformats.org/officeDocument/2006/customXml" ds:itemID="{3253B29C-1CCD-4FE8-A1C4-023A0910DF96}">
+<ds:datastoreItem xmlns:ds="http://schemas.openxmlformats.org/officeDocument/2006/customXml" ds:itemID="{B0CA13EC-1D3C-4D6F-8D1C-E8A452CFC79A}">
   <ds:schemaRefs>
-    <ds:schemaRef ds:uri="http://schemas.microsoft.com/office/2006/metadata/contentType"/>
-    <ds:schemaRef ds:uri="http://schemas.microsoft.com/office/2006/metadata/properties/metaAttributes"/>
-    <ds:schemaRef ds:uri="http://www.w3.org/2001/XMLSchema"/>
-    <ds:schemaRef ds:uri="http://schemas.microsoft.com/office/2006/metadata/properties"/>
-    <ds:schemaRef ds:uri="http://schemas.microsoft.com/sharepoint/v3"/>
-    <ds:schemaRef ds:uri="230e9df3-be65-4c73-a93b-d1236ebd677e"/>
-    <ds:schemaRef ds:uri="27aa9422-7f1f-4c84-9cdf-302b1a67e513"/>
-    <ds:schemaRef ds:uri="http://schemas.microsoft.com/office/2006/documentManagement/types"/>
-    <ds:schemaRef ds:uri="http://schemas.microsoft.com/office/infopath/2007/PartnerControls"/>
-    <ds:schemaRef ds:uri="http://schemas.openxmlformats.org/package/2006/metadata/core-properties"/>
-    <ds:schemaRef ds:uri="http://purl.org/dc/elements/1.1/"/>
-    <ds:schemaRef ds:uri="http://purl.org/dc/terms/"/>
-    <ds:schemaRef ds:uri="http://schemas.microsoft.com/internal/obd"/>
+    <ds:schemaRef ds:uri="http://schemas.microsoft.com/sharepoint/v3/contenttype/forms"/>
   </ds:schemaRefs>
 </ds:datastoreItem>
 </file>